--- a/Presentaciones/Segundo Parcial/Introducción a Java.pptx
+++ b/Presentaciones/Segundo Parcial/Introducción a Java.pptx
@@ -4,6 +4,9 @@
   <p:sldMasterIdLst>
     <p:sldMasterId id="2147483660" r:id="rId1"/>
   </p:sldMasterIdLst>
+  <p:notesMasterIdLst>
+    <p:notesMasterId r:id="rId21"/>
+  </p:notesMasterIdLst>
   <p:sldIdLst>
     <p:sldId id="256" r:id="rId2"/>
     <p:sldId id="257" r:id="rId3"/>
@@ -122,7 +125,362 @@
       </a:defRPr>
     </a:lvl9pPr>
   </p:defaultTextStyle>
+  <p:extLst>
+    <p:ext uri="{EFAFB233-063F-42B5-8137-9DF3F51BA10A}">
+      <p15:sldGuideLst xmlns:p15="http://schemas.microsoft.com/office/powerpoint/2012/main"/>
+    </p:ext>
+  </p:extLst>
 </p:presentation>
+</file>
+
+<file path=ppt/notesMasters/notesMaster1.xml><?xml version="1.0" encoding="utf-8"?>
+<p:notesMaster xmlns:a="http://schemas.openxmlformats.org/drawingml/2006/main" xmlns:r="http://schemas.openxmlformats.org/officeDocument/2006/relationships" xmlns:p="http://schemas.openxmlformats.org/presentationml/2006/main">
+  <p:cSld>
+    <p:bg>
+      <p:bgRef idx="1001">
+        <a:schemeClr val="bg1"/>
+      </p:bgRef>
+    </p:bg>
+    <p:spTree>
+      <p:nvGrpSpPr>
+        <p:cNvPr id="1" name=""/>
+        <p:cNvGrpSpPr/>
+        <p:nvPr/>
+      </p:nvGrpSpPr>
+      <p:grpSpPr>
+        <a:xfrm>
+          <a:off x="0" y="0"/>
+          <a:ext cx="0" cy="0"/>
+          <a:chOff x="0" y="0"/>
+          <a:chExt cx="0" cy="0"/>
+        </a:xfrm>
+      </p:grpSpPr>
+      <p:sp>
+        <p:nvSpPr>
+          <p:cNvPr id="2" name="Header Placeholder 1"/>
+          <p:cNvSpPr>
+            <a:spLocks noGrp="1"/>
+          </p:cNvSpPr>
+          <p:nvPr>
+            <p:ph type="hdr" sz="quarter"/>
+          </p:nvPr>
+        </p:nvSpPr>
+        <p:spPr>
+          <a:xfrm>
+            <a:off x="0" y="0"/>
+            <a:ext cx="2971800" cy="458788"/>
+          </a:xfrm>
+          <a:prstGeom prst="rect">
+            <a:avLst/>
+          </a:prstGeom>
+        </p:spPr>
+        <p:txBody>
+          <a:bodyPr vert="horz" lIns="91440" tIns="45720" rIns="91440" bIns="45720" rtlCol="0"/>
+          <a:lstStyle>
+            <a:lvl1pPr algn="l">
+              <a:defRPr sz="1200"/>
+            </a:lvl1pPr>
+          </a:lstStyle>
+          <a:p>
+            <a:endParaRPr lang="es-MX"/>
+          </a:p>
+        </p:txBody>
+      </p:sp>
+      <p:sp>
+        <p:nvSpPr>
+          <p:cNvPr id="3" name="Date Placeholder 2"/>
+          <p:cNvSpPr>
+            <a:spLocks noGrp="1"/>
+          </p:cNvSpPr>
+          <p:nvPr>
+            <p:ph type="dt" idx="1"/>
+          </p:nvPr>
+        </p:nvSpPr>
+        <p:spPr>
+          <a:xfrm>
+            <a:off x="3884613" y="0"/>
+            <a:ext cx="2971800" cy="458788"/>
+          </a:xfrm>
+          <a:prstGeom prst="rect">
+            <a:avLst/>
+          </a:prstGeom>
+        </p:spPr>
+        <p:txBody>
+          <a:bodyPr vert="horz" lIns="91440" tIns="45720" rIns="91440" bIns="45720" rtlCol="0"/>
+          <a:lstStyle>
+            <a:lvl1pPr algn="r">
+              <a:defRPr sz="1200"/>
+            </a:lvl1pPr>
+          </a:lstStyle>
+          <a:p>
+            <a:fld id="{18B70CB1-B28C-4262-829A-E8C8692D0A52}" type="datetimeFigureOut">
+              <a:rPr lang="es-MX" smtClean="0"/>
+              <a:t>11/03/2019</a:t>
+            </a:fld>
+            <a:endParaRPr lang="es-MX"/>
+          </a:p>
+        </p:txBody>
+      </p:sp>
+      <p:sp>
+        <p:nvSpPr>
+          <p:cNvPr id="4" name="Slide Image Placeholder 3"/>
+          <p:cNvSpPr>
+            <a:spLocks noGrp="1" noRot="1" noChangeAspect="1"/>
+          </p:cNvSpPr>
+          <p:nvPr>
+            <p:ph type="sldImg" idx="2"/>
+          </p:nvPr>
+        </p:nvSpPr>
+        <p:spPr>
+          <a:xfrm>
+            <a:off x="685800" y="1143000"/>
+            <a:ext cx="5486400" cy="3086100"/>
+          </a:xfrm>
+          <a:prstGeom prst="rect">
+            <a:avLst/>
+          </a:prstGeom>
+          <a:noFill/>
+          <a:ln w="12700">
+            <a:solidFill>
+              <a:prstClr val="black"/>
+            </a:solidFill>
+          </a:ln>
+        </p:spPr>
+        <p:txBody>
+          <a:bodyPr vert="horz" lIns="91440" tIns="45720" rIns="91440" bIns="45720" rtlCol="0" anchor="ctr"/>
+          <a:lstStyle/>
+          <a:p>
+            <a:endParaRPr lang="es-MX"/>
+          </a:p>
+        </p:txBody>
+      </p:sp>
+      <p:sp>
+        <p:nvSpPr>
+          <p:cNvPr id="5" name="Notes Placeholder 4"/>
+          <p:cNvSpPr>
+            <a:spLocks noGrp="1"/>
+          </p:cNvSpPr>
+          <p:nvPr>
+            <p:ph type="body" sz="quarter" idx="3"/>
+          </p:nvPr>
+        </p:nvSpPr>
+        <p:spPr>
+          <a:xfrm>
+            <a:off x="685800" y="4400550"/>
+            <a:ext cx="5486400" cy="3600450"/>
+          </a:xfrm>
+          <a:prstGeom prst="rect">
+            <a:avLst/>
+          </a:prstGeom>
+        </p:spPr>
+        <p:txBody>
+          <a:bodyPr vert="horz" lIns="91440" tIns="45720" rIns="91440" bIns="45720" rtlCol="0"/>
+          <a:lstStyle/>
+          <a:p>
+            <a:pPr lvl="0"/>
+            <a:r>
+              <a:rPr lang="en-US"/>
+              <a:t>Click to edit Master text styles</a:t>
+            </a:r>
+          </a:p>
+          <a:p>
+            <a:pPr lvl="1"/>
+            <a:r>
+              <a:rPr lang="en-US"/>
+              <a:t>Second level</a:t>
+            </a:r>
+          </a:p>
+          <a:p>
+            <a:pPr lvl="2"/>
+            <a:r>
+              <a:rPr lang="en-US"/>
+              <a:t>Third level</a:t>
+            </a:r>
+          </a:p>
+          <a:p>
+            <a:pPr lvl="3"/>
+            <a:r>
+              <a:rPr lang="en-US"/>
+              <a:t>Fourth level</a:t>
+            </a:r>
+          </a:p>
+          <a:p>
+            <a:pPr lvl="4"/>
+            <a:r>
+              <a:rPr lang="en-US"/>
+              <a:t>Fifth level</a:t>
+            </a:r>
+            <a:endParaRPr lang="es-MX"/>
+          </a:p>
+        </p:txBody>
+      </p:sp>
+      <p:sp>
+        <p:nvSpPr>
+          <p:cNvPr id="6" name="Footer Placeholder 5"/>
+          <p:cNvSpPr>
+            <a:spLocks noGrp="1"/>
+          </p:cNvSpPr>
+          <p:nvPr>
+            <p:ph type="ftr" sz="quarter" idx="4"/>
+          </p:nvPr>
+        </p:nvSpPr>
+        <p:spPr>
+          <a:xfrm>
+            <a:off x="0" y="8685213"/>
+            <a:ext cx="2971800" cy="458787"/>
+          </a:xfrm>
+          <a:prstGeom prst="rect">
+            <a:avLst/>
+          </a:prstGeom>
+        </p:spPr>
+        <p:txBody>
+          <a:bodyPr vert="horz" lIns="91440" tIns="45720" rIns="91440" bIns="45720" rtlCol="0" anchor="b"/>
+          <a:lstStyle>
+            <a:lvl1pPr algn="l">
+              <a:defRPr sz="1200"/>
+            </a:lvl1pPr>
+          </a:lstStyle>
+          <a:p>
+            <a:endParaRPr lang="es-MX"/>
+          </a:p>
+        </p:txBody>
+      </p:sp>
+      <p:sp>
+        <p:nvSpPr>
+          <p:cNvPr id="7" name="Slide Number Placeholder 6"/>
+          <p:cNvSpPr>
+            <a:spLocks noGrp="1"/>
+          </p:cNvSpPr>
+          <p:nvPr>
+            <p:ph type="sldNum" sz="quarter" idx="5"/>
+          </p:nvPr>
+        </p:nvSpPr>
+        <p:spPr>
+          <a:xfrm>
+            <a:off x="3884613" y="8685213"/>
+            <a:ext cx="2971800" cy="458787"/>
+          </a:xfrm>
+          <a:prstGeom prst="rect">
+            <a:avLst/>
+          </a:prstGeom>
+        </p:spPr>
+        <p:txBody>
+          <a:bodyPr vert="horz" lIns="91440" tIns="45720" rIns="91440" bIns="45720" rtlCol="0" anchor="b"/>
+          <a:lstStyle>
+            <a:lvl1pPr algn="r">
+              <a:defRPr sz="1200"/>
+            </a:lvl1pPr>
+          </a:lstStyle>
+          <a:p>
+            <a:fld id="{4D93665C-619B-4FE6-BA09-7FB68C9E5295}" type="slidenum">
+              <a:rPr lang="es-MX" smtClean="0"/>
+              <a:t>‹#›</a:t>
+            </a:fld>
+            <a:endParaRPr lang="es-MX"/>
+          </a:p>
+        </p:txBody>
+      </p:sp>
+    </p:spTree>
+    <p:extLst>
+      <p:ext uri="{BB962C8B-B14F-4D97-AF65-F5344CB8AC3E}">
+        <p14:creationId xmlns:p14="http://schemas.microsoft.com/office/powerpoint/2010/main" val="3926209787"/>
+      </p:ext>
+    </p:extLst>
+  </p:cSld>
+  <p:clrMap bg1="lt1" tx1="dk1" bg2="lt2" tx2="dk2" accent1="accent1" accent2="accent2" accent3="accent3" accent4="accent4" accent5="accent5" accent6="accent6" hlink="hlink" folHlink="folHlink"/>
+  <p:notesStyle>
+    <a:lvl1pPr marL="0" algn="l" defTabSz="914400" rtl="0" eaLnBrk="1" latinLnBrk="0" hangingPunct="1">
+      <a:defRPr sz="1200" kern="1200">
+        <a:solidFill>
+          <a:schemeClr val="tx1"/>
+        </a:solidFill>
+        <a:latin typeface="+mn-lt"/>
+        <a:ea typeface="+mn-ea"/>
+        <a:cs typeface="+mn-cs"/>
+      </a:defRPr>
+    </a:lvl1pPr>
+    <a:lvl2pPr marL="457200" algn="l" defTabSz="914400" rtl="0" eaLnBrk="1" latinLnBrk="0" hangingPunct="1">
+      <a:defRPr sz="1200" kern="1200">
+        <a:solidFill>
+          <a:schemeClr val="tx1"/>
+        </a:solidFill>
+        <a:latin typeface="+mn-lt"/>
+        <a:ea typeface="+mn-ea"/>
+        <a:cs typeface="+mn-cs"/>
+      </a:defRPr>
+    </a:lvl2pPr>
+    <a:lvl3pPr marL="914400" algn="l" defTabSz="914400" rtl="0" eaLnBrk="1" latinLnBrk="0" hangingPunct="1">
+      <a:defRPr sz="1200" kern="1200">
+        <a:solidFill>
+          <a:schemeClr val="tx1"/>
+        </a:solidFill>
+        <a:latin typeface="+mn-lt"/>
+        <a:ea typeface="+mn-ea"/>
+        <a:cs typeface="+mn-cs"/>
+      </a:defRPr>
+    </a:lvl3pPr>
+    <a:lvl4pPr marL="1371600" algn="l" defTabSz="914400" rtl="0" eaLnBrk="1" latinLnBrk="0" hangingPunct="1">
+      <a:defRPr sz="1200" kern="1200">
+        <a:solidFill>
+          <a:schemeClr val="tx1"/>
+        </a:solidFill>
+        <a:latin typeface="+mn-lt"/>
+        <a:ea typeface="+mn-ea"/>
+        <a:cs typeface="+mn-cs"/>
+      </a:defRPr>
+    </a:lvl4pPr>
+    <a:lvl5pPr marL="1828800" algn="l" defTabSz="914400" rtl="0" eaLnBrk="1" latinLnBrk="0" hangingPunct="1">
+      <a:defRPr sz="1200" kern="1200">
+        <a:solidFill>
+          <a:schemeClr val="tx1"/>
+        </a:solidFill>
+        <a:latin typeface="+mn-lt"/>
+        <a:ea typeface="+mn-ea"/>
+        <a:cs typeface="+mn-cs"/>
+      </a:defRPr>
+    </a:lvl5pPr>
+    <a:lvl6pPr marL="2286000" algn="l" defTabSz="914400" rtl="0" eaLnBrk="1" latinLnBrk="0" hangingPunct="1">
+      <a:defRPr sz="1200" kern="1200">
+        <a:solidFill>
+          <a:schemeClr val="tx1"/>
+        </a:solidFill>
+        <a:latin typeface="+mn-lt"/>
+        <a:ea typeface="+mn-ea"/>
+        <a:cs typeface="+mn-cs"/>
+      </a:defRPr>
+    </a:lvl6pPr>
+    <a:lvl7pPr marL="2743200" algn="l" defTabSz="914400" rtl="0" eaLnBrk="1" latinLnBrk="0" hangingPunct="1">
+      <a:defRPr sz="1200" kern="1200">
+        <a:solidFill>
+          <a:schemeClr val="tx1"/>
+        </a:solidFill>
+        <a:latin typeface="+mn-lt"/>
+        <a:ea typeface="+mn-ea"/>
+        <a:cs typeface="+mn-cs"/>
+      </a:defRPr>
+    </a:lvl7pPr>
+    <a:lvl8pPr marL="3200400" algn="l" defTabSz="914400" rtl="0" eaLnBrk="1" latinLnBrk="0" hangingPunct="1">
+      <a:defRPr sz="1200" kern="1200">
+        <a:solidFill>
+          <a:schemeClr val="tx1"/>
+        </a:solidFill>
+        <a:latin typeface="+mn-lt"/>
+        <a:ea typeface="+mn-ea"/>
+        <a:cs typeface="+mn-cs"/>
+      </a:defRPr>
+    </a:lvl8pPr>
+    <a:lvl9pPr marL="3657600" algn="l" defTabSz="914400" rtl="0" eaLnBrk="1" latinLnBrk="0" hangingPunct="1">
+      <a:defRPr sz="1200" kern="1200">
+        <a:solidFill>
+          <a:schemeClr val="tx1"/>
+        </a:solidFill>
+        <a:latin typeface="+mn-lt"/>
+        <a:ea typeface="+mn-ea"/>
+        <a:cs typeface="+mn-cs"/>
+      </a:defRPr>
+    </a:lvl9pPr>
+  </p:notesStyle>
+</p:notesMaster>
 </file>
 
 <file path=ppt/slideLayouts/slideLayout1.xml><?xml version="1.0" encoding="utf-8"?>
@@ -299,9 +657,9 @@
           <a:bodyPr/>
           <a:lstStyle/>
           <a:p>
-            <a:fld id="{86F945B3-A65F-4AE2-9CAB-06B469A47954}" type="datetimeFigureOut">
+            <a:fld id="{751C78AE-1586-409A-AF89-BBB4C6658FA0}" type="datetime1">
               <a:rPr lang="es-MX" smtClean="0"/>
-              <a:t>28/02/2019</a:t>
+              <a:t>11/03/2019</a:t>
             </a:fld>
             <a:endParaRPr lang="es-MX"/>
           </a:p>
@@ -322,7 +680,10 @@
           <a:bodyPr/>
           <a:lstStyle/>
           <a:p>
-            <a:endParaRPr lang="es-MX"/>
+            <a:r>
+              <a:rPr lang="es-MX"/>
+              <a:t>Lic. José Orihuela Sánchez Programación y Aplicaciones para la Web</a:t>
+            </a:r>
           </a:p>
         </p:txBody>
       </p:sp>
@@ -469,9 +830,9 @@
           <a:bodyPr/>
           <a:lstStyle/>
           <a:p>
-            <a:fld id="{86F945B3-A65F-4AE2-9CAB-06B469A47954}" type="datetimeFigureOut">
+            <a:fld id="{F5A69675-824F-4E66-B1D1-90CC877E6441}" type="datetime1">
               <a:rPr lang="es-MX" smtClean="0"/>
-              <a:t>28/02/2019</a:t>
+              <a:t>11/03/2019</a:t>
             </a:fld>
             <a:endParaRPr lang="es-MX"/>
           </a:p>
@@ -492,7 +853,10 @@
           <a:bodyPr/>
           <a:lstStyle/>
           <a:p>
-            <a:endParaRPr lang="es-MX"/>
+            <a:r>
+              <a:rPr lang="es-MX"/>
+              <a:t>Lic. José Orihuela Sánchez Programación y Aplicaciones para la Web</a:t>
+            </a:r>
           </a:p>
         </p:txBody>
       </p:sp>
@@ -692,9 +1056,9 @@
           <a:bodyPr/>
           <a:lstStyle/>
           <a:p>
-            <a:fld id="{86F945B3-A65F-4AE2-9CAB-06B469A47954}" type="datetimeFigureOut">
+            <a:fld id="{F829247B-DF82-4AA5-811F-0423FFA52B9B}" type="datetime1">
               <a:rPr lang="es-MX" smtClean="0"/>
-              <a:t>28/02/2019</a:t>
+              <a:t>11/03/2019</a:t>
             </a:fld>
             <a:endParaRPr lang="es-MX"/>
           </a:p>
@@ -720,7 +1084,10 @@
           <a:bodyPr/>
           <a:lstStyle/>
           <a:p>
-            <a:endParaRPr lang="es-MX"/>
+            <a:r>
+              <a:rPr lang="es-MX"/>
+              <a:t>Lic. José Orihuela Sánchez Programación y Aplicaciones para la Web</a:t>
+            </a:r>
           </a:p>
         </p:txBody>
       </p:sp>
@@ -872,9 +1239,9 @@
           <a:bodyPr/>
           <a:lstStyle/>
           <a:p>
-            <a:fld id="{86F945B3-A65F-4AE2-9CAB-06B469A47954}" type="datetimeFigureOut">
+            <a:fld id="{D085D566-DA7A-4E61-895E-35B7FE9ED38F}" type="datetime1">
               <a:rPr lang="es-MX" smtClean="0"/>
-              <a:t>28/02/2019</a:t>
+              <a:t>11/03/2019</a:t>
             </a:fld>
             <a:endParaRPr lang="es-MX"/>
           </a:p>
@@ -895,7 +1262,10 @@
           <a:bodyPr/>
           <a:lstStyle/>
           <a:p>
-            <a:endParaRPr lang="es-MX"/>
+            <a:r>
+              <a:rPr lang="es-MX"/>
+              <a:t>Lic. José Orihuela Sánchez Programación y Aplicaciones para la Web</a:t>
+            </a:r>
           </a:p>
         </p:txBody>
       </p:sp>
@@ -1178,9 +1548,9 @@
             </a:lvl1pPr>
           </a:lstStyle>
           <a:p>
-            <a:fld id="{86F945B3-A65F-4AE2-9CAB-06B469A47954}" type="datetimeFigureOut">
+            <a:fld id="{133DCB20-6956-4D09-8FD1-0FB2C5940924}" type="datetime1">
               <a:rPr lang="es-MX" smtClean="0"/>
-              <a:t>28/02/2019</a:t>
+              <a:t>11/03/2019</a:t>
             </a:fld>
             <a:endParaRPr lang="es-MX"/>
           </a:p>
@@ -1209,7 +1579,10 @@
             </a:lvl1pPr>
           </a:lstStyle>
           <a:p>
-            <a:endParaRPr lang="es-MX"/>
+            <a:r>
+              <a:rPr lang="es-MX"/>
+              <a:t>Lic. José Orihuela Sánchez Programación y Aplicaciones para la Web</a:t>
+            </a:r>
           </a:p>
         </p:txBody>
       </p:sp>
@@ -1482,9 +1855,9 @@
           <a:bodyPr/>
           <a:lstStyle/>
           <a:p>
-            <a:fld id="{86F945B3-A65F-4AE2-9CAB-06B469A47954}" type="datetimeFigureOut">
+            <a:fld id="{50541120-82E8-45DB-8750-D408B2D5AB09}" type="datetime1">
               <a:rPr lang="es-MX" smtClean="0"/>
-              <a:t>28/02/2019</a:t>
+              <a:t>11/03/2019</a:t>
             </a:fld>
             <a:endParaRPr lang="es-MX"/>
           </a:p>
@@ -1505,7 +1878,10 @@
           <a:bodyPr/>
           <a:lstStyle/>
           <a:p>
-            <a:endParaRPr lang="es-MX"/>
+            <a:r>
+              <a:rPr lang="es-MX"/>
+              <a:t>Lic. José Orihuela Sánchez Programación y Aplicaciones para la Web</a:t>
+            </a:r>
           </a:p>
         </p:txBody>
       </p:sp>
@@ -1904,9 +2280,9 @@
           <a:bodyPr/>
           <a:lstStyle/>
           <a:p>
-            <a:fld id="{86F945B3-A65F-4AE2-9CAB-06B469A47954}" type="datetimeFigureOut">
+            <a:fld id="{A1D9C9E3-59D4-469A-BE46-6C68C1956754}" type="datetime1">
               <a:rPr lang="es-MX" smtClean="0"/>
-              <a:t>28/02/2019</a:t>
+              <a:t>11/03/2019</a:t>
             </a:fld>
             <a:endParaRPr lang="es-MX"/>
           </a:p>
@@ -1927,7 +2303,10 @@
           <a:bodyPr/>
           <a:lstStyle/>
           <a:p>
-            <a:endParaRPr lang="es-MX"/>
+            <a:r>
+              <a:rPr lang="es-MX"/>
+              <a:t>Lic. José Orihuela Sánchez Programación y Aplicaciones para la Web</a:t>
+            </a:r>
           </a:p>
         </p:txBody>
       </p:sp>
@@ -2022,9 +2401,9 @@
           <a:bodyPr/>
           <a:lstStyle/>
           <a:p>
-            <a:fld id="{86F945B3-A65F-4AE2-9CAB-06B469A47954}" type="datetimeFigureOut">
+            <a:fld id="{A284780D-ED9A-46A1-891C-67C557B12B05}" type="datetime1">
               <a:rPr lang="es-MX" smtClean="0"/>
-              <a:t>28/02/2019</a:t>
+              <a:t>11/03/2019</a:t>
             </a:fld>
             <a:endParaRPr lang="es-MX"/>
           </a:p>
@@ -2045,7 +2424,10 @@
           <a:bodyPr/>
           <a:lstStyle/>
           <a:p>
-            <a:endParaRPr lang="es-MX"/>
+            <a:r>
+              <a:rPr lang="es-MX"/>
+              <a:t>Lic. José Orihuela Sánchez Programación y Aplicaciones para la Web</a:t>
+            </a:r>
           </a:p>
         </p:txBody>
       </p:sp>
@@ -2117,9 +2499,9 @@
           <a:bodyPr/>
           <a:lstStyle/>
           <a:p>
-            <a:fld id="{86F945B3-A65F-4AE2-9CAB-06B469A47954}" type="datetimeFigureOut">
+            <a:fld id="{AB42ACC6-6F59-425C-AE31-13C93548C797}" type="datetime1">
               <a:rPr lang="es-MX" smtClean="0"/>
-              <a:t>28/02/2019</a:t>
+              <a:t>11/03/2019</a:t>
             </a:fld>
             <a:endParaRPr lang="es-MX"/>
           </a:p>
@@ -2140,7 +2522,10 @@
           <a:bodyPr/>
           <a:lstStyle/>
           <a:p>
-            <a:endParaRPr lang="es-MX"/>
+            <a:r>
+              <a:rPr lang="es-MX"/>
+              <a:t>Lic. José Orihuela Sánchez Programación y Aplicaciones para la Web</a:t>
+            </a:r>
           </a:p>
         </p:txBody>
       </p:sp>
@@ -2390,9 +2775,9 @@
           <a:bodyPr/>
           <a:lstStyle/>
           <a:p>
-            <a:fld id="{86F945B3-A65F-4AE2-9CAB-06B469A47954}" type="datetimeFigureOut">
+            <a:fld id="{2A14EF45-92A3-4CCA-8EC8-FCA1017954B3}" type="datetime1">
               <a:rPr lang="es-MX" smtClean="0"/>
-              <a:t>28/02/2019</a:t>
+              <a:t>11/03/2019</a:t>
             </a:fld>
             <a:endParaRPr lang="es-MX"/>
           </a:p>
@@ -2413,7 +2798,10 @@
           <a:bodyPr/>
           <a:lstStyle/>
           <a:p>
-            <a:endParaRPr lang="es-MX"/>
+            <a:r>
+              <a:rPr lang="es-MX"/>
+              <a:t>Lic. José Orihuela Sánchez Programación y Aplicaciones para la Web</a:t>
+            </a:r>
           </a:p>
         </p:txBody>
       </p:sp>
@@ -2655,9 +3043,9 @@
           <a:bodyPr/>
           <a:lstStyle/>
           <a:p>
-            <a:fld id="{86F945B3-A65F-4AE2-9CAB-06B469A47954}" type="datetimeFigureOut">
+            <a:fld id="{AAEF4B6B-73B1-489D-9B8B-1C3C62018F9E}" type="datetime1">
               <a:rPr lang="es-MX" smtClean="0"/>
-              <a:t>28/02/2019</a:t>
+              <a:t>11/03/2019</a:t>
             </a:fld>
             <a:endParaRPr lang="es-MX"/>
           </a:p>
@@ -2678,7 +3066,10 @@
           <a:bodyPr/>
           <a:lstStyle/>
           <a:p>
-            <a:endParaRPr lang="es-MX"/>
+            <a:r>
+              <a:rPr lang="es-MX"/>
+              <a:t>Lic. José Orihuela Sánchez Programación y Aplicaciones para la Web</a:t>
+            </a:r>
           </a:p>
         </p:txBody>
       </p:sp>
@@ -2904,9 +3295,9 @@
             </a:lvl1pPr>
           </a:lstStyle>
           <a:p>
-            <a:fld id="{86F945B3-A65F-4AE2-9CAB-06B469A47954}" type="datetimeFigureOut">
+            <a:fld id="{189124FC-6846-41A8-B664-120621E0CEB8}" type="datetime1">
               <a:rPr lang="es-MX" smtClean="0"/>
-              <a:t>28/02/2019</a:t>
+              <a:t>11/03/2019</a:t>
             </a:fld>
             <a:endParaRPr lang="es-MX"/>
           </a:p>
@@ -2943,7 +3334,10 @@
             </a:lvl1pPr>
           </a:lstStyle>
           <a:p>
-            <a:endParaRPr lang="es-MX"/>
+            <a:r>
+              <a:rPr lang="es-MX"/>
+              <a:t>Lic. José Orihuela Sánchez Programación y Aplicaciones para la Web</a:t>
+            </a:r>
           </a:p>
         </p:txBody>
       </p:sp>
@@ -3007,6 +3401,7 @@
     <p:sldLayoutId id="2147483670" r:id="rId10"/>
     <p:sldLayoutId id="2147483671" r:id="rId11"/>
   </p:sldLayoutIdLst>
+  <p:hf sldNum="0" hdr="0" dt="0"/>
   <p:txStyles>
     <p:titleStyle>
       <a:lvl1pPr algn="l" defTabSz="914400" rtl="0" eaLnBrk="1" latinLnBrk="0" hangingPunct="1">
@@ -3383,9 +3778,10 @@
           <a:lstStyle/>
           <a:p>
             <a:r>
-              <a:rPr lang="es-MX" dirty="0"/>
-              <a:t>Introducción a Java</a:t>
-            </a:r>
+              <a:rPr lang="en-US" dirty="0"/>
+              <a:t>PROGRAMACIÓN Y APLICACIONES PARA LA WEB</a:t>
+            </a:r>
+            <a:endParaRPr lang="es-MX" dirty="0"/>
           </a:p>
         </p:txBody>
       </p:sp>
@@ -3410,7 +3806,112 @@
           <a:bodyPr/>
           <a:lstStyle/>
           <a:p>
-            <a:endParaRPr lang="es-MX"/>
+            <a:r>
+              <a:rPr lang="es-MX" dirty="0"/>
+              <a:t>Introducción a Java</a:t>
+            </a:r>
+          </a:p>
+        </p:txBody>
+      </p:sp>
+      <p:sp>
+        <p:nvSpPr>
+          <p:cNvPr id="4" name="Footer Placeholder 3">
+            <a:extLst>
+              <a:ext uri="{FF2B5EF4-FFF2-40B4-BE49-F238E27FC236}">
+                <a16:creationId xmlns:a16="http://schemas.microsoft.com/office/drawing/2014/main" id="{367C11B7-080B-4B67-B508-77FE6EB8FA07}"/>
+              </a:ext>
+            </a:extLst>
+          </p:cNvPr>
+          <p:cNvSpPr>
+            <a:spLocks noGrp="1"/>
+          </p:cNvSpPr>
+          <p:nvPr>
+            <p:ph type="ftr" sz="quarter" idx="11"/>
+          </p:nvPr>
+        </p:nvSpPr>
+        <p:spPr/>
+        <p:txBody>
+          <a:bodyPr/>
+          <a:lstStyle/>
+          <a:p>
+            <a:r>
+              <a:rPr lang="es-MX"/>
+              <a:t>Lic. José Orihuela Sánchez Programación y Aplicaciones para la Web</a:t>
+            </a:r>
+          </a:p>
+        </p:txBody>
+      </p:sp>
+      <p:sp>
+        <p:nvSpPr>
+          <p:cNvPr id="5" name="Title 1">
+            <a:extLst>
+              <a:ext uri="{FF2B5EF4-FFF2-40B4-BE49-F238E27FC236}">
+                <a16:creationId xmlns:a16="http://schemas.microsoft.com/office/drawing/2014/main" id="{C2523E1A-5798-48CF-A1EB-323442ACADE9}"/>
+              </a:ext>
+            </a:extLst>
+          </p:cNvPr>
+          <p:cNvSpPr txBox="1">
+            <a:spLocks/>
+          </p:cNvSpPr>
+          <p:nvPr/>
+        </p:nvSpPr>
+        <p:spPr>
+          <a:xfrm>
+            <a:off x="365759" y="202391"/>
+            <a:ext cx="11471565" cy="1739347"/>
+          </a:xfrm>
+          <a:prstGeom prst="rect">
+            <a:avLst/>
+          </a:prstGeom>
+        </p:spPr>
+        <p:txBody>
+          <a:bodyPr vert="horz" lIns="91440" tIns="45720" rIns="91440" bIns="45720" rtlCol="0" anchor="ctr">
+            <a:normAutofit/>
+          </a:bodyPr>
+          <a:lstStyle>
+            <a:lvl1pPr algn="ctr" defTabSz="914400" rtl="0" eaLnBrk="1" latinLnBrk="0" hangingPunct="1">
+              <a:lnSpc>
+                <a:spcPct val="80000"/>
+              </a:lnSpc>
+              <a:spcBef>
+                <a:spcPct val="0"/>
+              </a:spcBef>
+              <a:buNone/>
+              <a:defRPr sz="6000" kern="1200" cap="all" spc="150" baseline="0">
+                <a:solidFill>
+                  <a:schemeClr val="bg2"/>
+                </a:solidFill>
+                <a:latin typeface="+mj-lt"/>
+                <a:ea typeface="+mj-ea"/>
+                <a:cs typeface="+mj-cs"/>
+              </a:defRPr>
+            </a:lvl1pPr>
+          </a:lstStyle>
+          <a:p>
+            <a:r>
+              <a:rPr lang="es-MX" sz="3200" dirty="0">
+                <a:solidFill>
+                  <a:schemeClr val="bg1">
+                    <a:lumMod val="10000"/>
+                    <a:lumOff val="90000"/>
+                  </a:schemeClr>
+                </a:solidFill>
+              </a:rPr>
+              <a:t>UNIVERSIDAD AUTONOMA DE NUEVO LEÓN</a:t>
+            </a:r>
+          </a:p>
+          <a:p>
+            <a:r>
+              <a:rPr lang="es-MX" sz="3200" dirty="0">
+                <a:solidFill>
+                  <a:schemeClr val="bg1">
+                    <a:lumMod val="10000"/>
+                    <a:lumOff val="90000"/>
+                  </a:schemeClr>
+                </a:solidFill>
+              </a:rPr>
+              <a:t>FACULTAD DE CIENCIAS FISICO-MATEMATICAS</a:t>
+            </a:r>
           </a:p>
         </p:txBody>
       </p:sp>
@@ -3544,6 +4045,34 @@
           </a:p>
         </p:txBody>
       </p:sp>
+      <p:sp>
+        <p:nvSpPr>
+          <p:cNvPr id="4" name="Footer Placeholder 3">
+            <a:extLst>
+              <a:ext uri="{FF2B5EF4-FFF2-40B4-BE49-F238E27FC236}">
+                <a16:creationId xmlns:a16="http://schemas.microsoft.com/office/drawing/2014/main" id="{AD9199B5-4ECA-4FC9-807C-AED977C37164}"/>
+              </a:ext>
+            </a:extLst>
+          </p:cNvPr>
+          <p:cNvSpPr>
+            <a:spLocks noGrp="1"/>
+          </p:cNvSpPr>
+          <p:nvPr>
+            <p:ph type="ftr" sz="quarter" idx="11"/>
+          </p:nvPr>
+        </p:nvSpPr>
+        <p:spPr/>
+        <p:txBody>
+          <a:bodyPr/>
+          <a:lstStyle/>
+          <a:p>
+            <a:r>
+              <a:rPr lang="es-MX"/>
+              <a:t>Lic. José Orihuela Sánchez Programación y Aplicaciones para la Web</a:t>
+            </a:r>
+          </a:p>
+        </p:txBody>
+      </p:sp>
     </p:spTree>
     <p:extLst>
       <p:ext uri="{BB962C8B-B14F-4D97-AF65-F5344CB8AC3E}">
@@ -3679,6 +4208,34 @@
           </a:p>
         </p:txBody>
       </p:sp>
+      <p:sp>
+        <p:nvSpPr>
+          <p:cNvPr id="4" name="Footer Placeholder 3">
+            <a:extLst>
+              <a:ext uri="{FF2B5EF4-FFF2-40B4-BE49-F238E27FC236}">
+                <a16:creationId xmlns:a16="http://schemas.microsoft.com/office/drawing/2014/main" id="{6B3DDB70-AF74-4576-A454-76133BE41ED0}"/>
+              </a:ext>
+            </a:extLst>
+          </p:cNvPr>
+          <p:cNvSpPr>
+            <a:spLocks noGrp="1"/>
+          </p:cNvSpPr>
+          <p:nvPr>
+            <p:ph type="ftr" sz="quarter" idx="11"/>
+          </p:nvPr>
+        </p:nvSpPr>
+        <p:spPr/>
+        <p:txBody>
+          <a:bodyPr/>
+          <a:lstStyle/>
+          <a:p>
+            <a:r>
+              <a:rPr lang="es-MX"/>
+              <a:t>Lic. José Orihuela Sánchez Programación y Aplicaciones para la Web</a:t>
+            </a:r>
+          </a:p>
+        </p:txBody>
+      </p:sp>
     </p:spTree>
     <p:extLst>
       <p:ext uri="{BB962C8B-B14F-4D97-AF65-F5344CB8AC3E}">
@@ -3809,6 +4366,34 @@
           </a:p>
         </p:txBody>
       </p:sp>
+      <p:sp>
+        <p:nvSpPr>
+          <p:cNvPr id="4" name="Footer Placeholder 3">
+            <a:extLst>
+              <a:ext uri="{FF2B5EF4-FFF2-40B4-BE49-F238E27FC236}">
+                <a16:creationId xmlns:a16="http://schemas.microsoft.com/office/drawing/2014/main" id="{087F4BDE-A87F-4950-BC7A-D65893D42E69}"/>
+              </a:ext>
+            </a:extLst>
+          </p:cNvPr>
+          <p:cNvSpPr>
+            <a:spLocks noGrp="1"/>
+          </p:cNvSpPr>
+          <p:nvPr>
+            <p:ph type="ftr" sz="quarter" idx="11"/>
+          </p:nvPr>
+        </p:nvSpPr>
+        <p:spPr/>
+        <p:txBody>
+          <a:bodyPr/>
+          <a:lstStyle/>
+          <a:p>
+            <a:r>
+              <a:rPr lang="es-MX"/>
+              <a:t>Lic. José Orihuela Sánchez Programación y Aplicaciones para la Web</a:t>
+            </a:r>
+          </a:p>
+        </p:txBody>
+      </p:sp>
     </p:spTree>
     <p:extLst>
       <p:ext uri="{BB962C8B-B14F-4D97-AF65-F5344CB8AC3E}">
@@ -3861,10 +4446,9 @@
           <a:lstStyle/>
           <a:p>
             <a:r>
-              <a:rPr lang="en-US" dirty="0" err="1"/>
+              <a:rPr lang="es-MX" dirty="0"/>
               <a:t>Arreglos</a:t>
             </a:r>
-            <a:endParaRPr lang="es-MX" dirty="0"/>
           </a:p>
         </p:txBody>
       </p:sp>
@@ -3890,126 +4474,9 @@
           <a:lstStyle/>
           <a:p>
             <a:r>
-              <a:rPr lang="en-US" dirty="0"/>
-              <a:t>Los </a:t>
-            </a:r>
-            <a:r>
-              <a:rPr lang="en-US" dirty="0" err="1"/>
-              <a:t>arreglos</a:t>
-            </a:r>
-            <a:r>
-              <a:rPr lang="en-US" dirty="0"/>
-              <a:t> son </a:t>
-            </a:r>
-            <a:r>
-              <a:rPr lang="en-US" dirty="0" err="1"/>
-              <a:t>datos</a:t>
-            </a:r>
-            <a:r>
-              <a:rPr lang="en-US" dirty="0"/>
-              <a:t> </a:t>
-            </a:r>
-            <a:r>
-              <a:rPr lang="en-US" dirty="0" err="1"/>
-              <a:t>continuos</a:t>
-            </a:r>
-            <a:r>
-              <a:rPr lang="en-US" dirty="0"/>
-              <a:t> </a:t>
-            </a:r>
-            <a:r>
-              <a:rPr lang="en-US" dirty="0" err="1"/>
-              <a:t>en</a:t>
-            </a:r>
-            <a:r>
-              <a:rPr lang="en-US" dirty="0"/>
-              <a:t> </a:t>
-            </a:r>
-            <a:r>
-              <a:rPr lang="en-US" dirty="0" err="1"/>
-              <a:t>memoria</a:t>
-            </a:r>
-            <a:r>
-              <a:rPr lang="en-US" dirty="0"/>
-              <a:t>, </a:t>
-            </a:r>
-            <a:r>
-              <a:rPr lang="en-US" dirty="0" err="1"/>
-              <a:t>en</a:t>
-            </a:r>
-            <a:r>
-              <a:rPr lang="en-US" dirty="0"/>
-              <a:t> </a:t>
-            </a:r>
-            <a:r>
-              <a:rPr lang="en-US" dirty="0" err="1"/>
-              <a:t>esta</a:t>
-            </a:r>
-            <a:r>
-              <a:rPr lang="en-US" dirty="0"/>
-              <a:t> </a:t>
-            </a:r>
-            <a:r>
-              <a:rPr lang="en-US" dirty="0" err="1"/>
-              <a:t>caso</a:t>
-            </a:r>
-            <a:r>
-              <a:rPr lang="en-US" dirty="0"/>
-              <a:t> para </a:t>
-            </a:r>
-            <a:r>
-              <a:rPr lang="en-US" dirty="0" err="1"/>
-              <a:t>poder</a:t>
-            </a:r>
-            <a:r>
-              <a:rPr lang="en-US" dirty="0"/>
-              <a:t> </a:t>
-            </a:r>
-            <a:r>
-              <a:rPr lang="en-US" dirty="0" err="1"/>
-              <a:t>declarar</a:t>
-            </a:r>
-            <a:r>
-              <a:rPr lang="en-US" dirty="0"/>
-              <a:t> </a:t>
-            </a:r>
-            <a:r>
-              <a:rPr lang="en-US" dirty="0" err="1"/>
-              <a:t>uno</a:t>
-            </a:r>
-            <a:r>
-              <a:rPr lang="en-US" dirty="0"/>
-              <a:t> </a:t>
-            </a:r>
-            <a:r>
-              <a:rPr lang="en-US" dirty="0" err="1"/>
-              <a:t>en</a:t>
-            </a:r>
-            <a:r>
-              <a:rPr lang="en-US" dirty="0"/>
-              <a:t> Java se </a:t>
-            </a:r>
-            <a:r>
-              <a:rPr lang="en-US" dirty="0" err="1"/>
-              <a:t>realiza</a:t>
-            </a:r>
-            <a:r>
-              <a:rPr lang="en-US" dirty="0"/>
-              <a:t> de la </a:t>
-            </a:r>
-            <a:r>
-              <a:rPr lang="en-US" dirty="0" err="1"/>
-              <a:t>siguiente</a:t>
-            </a:r>
-            <a:r>
-              <a:rPr lang="en-US" dirty="0"/>
-              <a:t> </a:t>
-            </a:r>
-            <a:r>
-              <a:rPr lang="en-US" dirty="0" err="1"/>
-              <a:t>manera</a:t>
-            </a:r>
-            <a:endParaRPr lang="en-US" dirty="0"/>
+              <a:rPr lang="es-MX" dirty="0"/>
+              <a:t>Los arreglos son datos continuos en memoria, en esta caso para poder declarar uno en Java se realiza de la siguiente manera</a:t>
+            </a:r>
           </a:p>
           <a:p>
             <a:pPr lvl="1"/>
@@ -4043,26 +4510,9 @@
           </a:p>
           <a:p>
             <a:r>
-              <a:rPr lang="en-US" dirty="0" err="1"/>
-              <a:t>En</a:t>
-            </a:r>
-            <a:r>
-              <a:rPr lang="en-US" dirty="0"/>
-              <a:t> el </a:t>
-            </a:r>
-            <a:r>
-              <a:rPr lang="en-US" dirty="0" err="1"/>
-              <a:t>caso</a:t>
-            </a:r>
-            <a:r>
-              <a:rPr lang="en-US" dirty="0"/>
-              <a:t> de las </a:t>
-            </a:r>
-            <a:r>
-              <a:rPr lang="en-US" dirty="0" err="1"/>
-              <a:t>clases</a:t>
-            </a:r>
-            <a:endParaRPr lang="en-US" dirty="0"/>
+              <a:rPr lang="es-MX" dirty="0"/>
+              <a:t>En el caso de las clases</a:t>
+            </a:r>
           </a:p>
           <a:p>
             <a:pPr lvl="1"/>
@@ -4095,6 +4545,34 @@
           <a:p>
             <a:pPr lvl="1"/>
             <a:endParaRPr lang="es-MX" dirty="0"/>
+          </a:p>
+        </p:txBody>
+      </p:sp>
+      <p:sp>
+        <p:nvSpPr>
+          <p:cNvPr id="4" name="Footer Placeholder 3">
+            <a:extLst>
+              <a:ext uri="{FF2B5EF4-FFF2-40B4-BE49-F238E27FC236}">
+                <a16:creationId xmlns:a16="http://schemas.microsoft.com/office/drawing/2014/main" id="{91B0E19A-7E5F-4085-970D-4C6EF1219A1D}"/>
+              </a:ext>
+            </a:extLst>
+          </p:cNvPr>
+          <p:cNvSpPr>
+            <a:spLocks noGrp="1"/>
+          </p:cNvSpPr>
+          <p:nvPr>
+            <p:ph type="ftr" sz="quarter" idx="11"/>
+          </p:nvPr>
+        </p:nvSpPr>
+        <p:spPr/>
+        <p:txBody>
+          <a:bodyPr/>
+          <a:lstStyle/>
+          <a:p>
+            <a:r>
+              <a:rPr lang="es-MX"/>
+              <a:t>Lic. José Orihuela Sánchez Programación y Aplicaciones para la Web</a:t>
+            </a:r>
           </a:p>
         </p:txBody>
       </p:sp>
@@ -4179,84 +4657,20 @@
           <a:lstStyle/>
           <a:p>
             <a:r>
-              <a:rPr lang="en-US" dirty="0"/>
-              <a:t>La </a:t>
-            </a:r>
-            <a:r>
-              <a:rPr lang="en-US" dirty="0" err="1"/>
-              <a:t>clase</a:t>
-            </a:r>
-            <a:r>
-              <a:rPr lang="en-US" dirty="0"/>
+              <a:rPr lang="es-MX" dirty="0"/>
+              <a:t>La clase </a:t>
+            </a:r>
+            <a:r>
+              <a:rPr lang="es-MX" b="1" dirty="0" err="1"/>
+              <a:t>String</a:t>
+            </a:r>
+            <a:r>
+              <a:rPr lang="es-MX" b="1" dirty="0"/>
               <a:t> </a:t>
             </a:r>
             <a:r>
-              <a:rPr lang="en-US" b="1" dirty="0"/>
-              <a:t>String </a:t>
-            </a:r>
-            <a:r>
-              <a:rPr lang="en-US" dirty="0"/>
-              <a:t> es una que </a:t>
-            </a:r>
-            <a:r>
-              <a:rPr lang="en-US" dirty="0" err="1"/>
-              <a:t>nos</a:t>
-            </a:r>
-            <a:r>
-              <a:rPr lang="en-US" dirty="0"/>
-              <a:t> </a:t>
-            </a:r>
-            <a:r>
-              <a:rPr lang="en-US" dirty="0" err="1"/>
-              <a:t>brindara</a:t>
-            </a:r>
-            <a:r>
-              <a:rPr lang="en-US" dirty="0"/>
-              <a:t> </a:t>
-            </a:r>
-            <a:r>
-              <a:rPr lang="en-US" dirty="0" err="1"/>
-              <a:t>su</a:t>
-            </a:r>
-            <a:r>
-              <a:rPr lang="en-US" dirty="0"/>
-              <a:t> </a:t>
-            </a:r>
-            <a:r>
-              <a:rPr lang="en-US" dirty="0" err="1"/>
-              <a:t>apoyo</a:t>
-            </a:r>
-            <a:r>
-              <a:rPr lang="en-US" dirty="0"/>
-              <a:t> al </a:t>
-            </a:r>
-            <a:r>
-              <a:rPr lang="en-US" dirty="0" err="1"/>
-              <a:t>momento</a:t>
-            </a:r>
-            <a:r>
-              <a:rPr lang="en-US" dirty="0"/>
-              <a:t> de </a:t>
-            </a:r>
-            <a:r>
-              <a:rPr lang="en-US" dirty="0" err="1"/>
-              <a:t>querer</a:t>
-            </a:r>
-            <a:r>
-              <a:rPr lang="en-US" dirty="0"/>
-              <a:t> </a:t>
-            </a:r>
-            <a:r>
-              <a:rPr lang="en-US" dirty="0" err="1"/>
-              <a:t>usar</a:t>
-            </a:r>
-            <a:r>
-              <a:rPr lang="en-US" dirty="0"/>
-              <a:t> </a:t>
-            </a:r>
-            <a:r>
-              <a:rPr lang="en-US" dirty="0" err="1"/>
-              <a:t>textos</a:t>
+              <a:rPr lang="es-MX" dirty="0"/>
+              <a:t> es una que nos brindara su apoyo al momento de querer usar textos</a:t>
             </a:r>
             <a:r>
               <a:rPr lang="en-US" dirty="0"/>
@@ -4265,90 +4679,21 @@
           </a:p>
           <a:p>
             <a:r>
-              <a:rPr lang="en-US" dirty="0"/>
-              <a:t>Es </a:t>
-            </a:r>
-            <a:r>
-              <a:rPr lang="en-US" dirty="0" err="1"/>
-              <a:t>facil</a:t>
-            </a:r>
-            <a:r>
-              <a:rPr lang="en-US" dirty="0"/>
-              <a:t> de utilizer y </a:t>
-            </a:r>
-            <a:r>
-              <a:rPr lang="en-US" dirty="0" err="1"/>
-              <a:t>ya</a:t>
-            </a:r>
-            <a:r>
-              <a:rPr lang="en-US" dirty="0"/>
-              <a:t> </a:t>
-            </a:r>
-            <a:r>
-              <a:rPr lang="en-US" dirty="0" err="1"/>
-              <a:t>contiene</a:t>
-            </a:r>
-            <a:r>
-              <a:rPr lang="en-US" dirty="0"/>
-              <a:t> </a:t>
-            </a:r>
-            <a:r>
-              <a:rPr lang="en-US" dirty="0" err="1"/>
-              <a:t>funciones</a:t>
-            </a:r>
-            <a:r>
-              <a:rPr lang="en-US" dirty="0"/>
-              <a:t> </a:t>
-            </a:r>
-            <a:r>
-              <a:rPr lang="en-US" dirty="0" err="1"/>
-              <a:t>especificas</a:t>
-            </a:r>
-            <a:r>
-              <a:rPr lang="en-US" dirty="0"/>
-              <a:t> </a:t>
-            </a:r>
-            <a:r>
-              <a:rPr lang="en-US" dirty="0" err="1"/>
-              <a:t>incluso</a:t>
-            </a:r>
-            <a:r>
-              <a:rPr lang="en-US" dirty="0"/>
-              <a:t> para </a:t>
-            </a:r>
-            <a:r>
-              <a:rPr lang="en-US" dirty="0" err="1"/>
-              <a:t>su</a:t>
-            </a:r>
-            <a:r>
-              <a:rPr lang="en-US" dirty="0"/>
-              <a:t> </a:t>
-            </a:r>
-            <a:r>
-              <a:rPr lang="en-US" dirty="0" err="1"/>
-              <a:t>condicion</a:t>
-            </a:r>
-            <a:endParaRPr lang="en-US" dirty="0"/>
-          </a:p>
-          <a:p>
-            <a:r>
-              <a:rPr lang="en-US" dirty="0"/>
-              <a:t>Por </a:t>
-            </a:r>
-            <a:r>
-              <a:rPr lang="en-US" dirty="0" err="1"/>
-              <a:t>ejemplo</a:t>
-            </a:r>
-            <a:r>
-              <a:rPr lang="en-US" dirty="0"/>
-              <a:t> el </a:t>
-            </a:r>
-            <a:r>
-              <a:rPr lang="en-US" dirty="0" err="1"/>
+              <a:rPr lang="es-MX" dirty="0"/>
+              <a:t>Es fácil de utilizar y ya contiene funciones especificas incluso para su condición</a:t>
+            </a:r>
+          </a:p>
+          <a:p>
+            <a:r>
+              <a:rPr lang="es-MX" dirty="0"/>
+              <a:t>Por ejemplo el </a:t>
+            </a:r>
+            <a:r>
+              <a:rPr lang="es-MX" dirty="0" err="1"/>
               <a:t>metodo</a:t>
             </a:r>
             <a:r>
-              <a:rPr lang="en-US" dirty="0"/>
+              <a:rPr lang="es-MX" dirty="0"/>
               <a:t> </a:t>
             </a:r>
             <a:r>
@@ -4375,12 +4720,8 @@
           </a:p>
           <a:p>
             <a:r>
-              <a:rPr lang="es-MX" dirty="0" err="1"/>
-              <a:t>Ademas</a:t>
-            </a:r>
-            <a:r>
               <a:rPr lang="es-MX" dirty="0"/>
-              <a:t> todas las clases podremos usar el método </a:t>
+              <a:t>Además todas las clases podremos usar el método </a:t>
             </a:r>
             <a:r>
               <a:rPr lang="es-MX" dirty="0" err="1"/>
@@ -4398,7 +4739,34 @@
               <a:rPr lang="es-MX" dirty="0"/>
               <a:t> para que diga lo que gustemos.</a:t>
             </a:r>
-            <a:endParaRPr lang="en-US" dirty="0"/>
+          </a:p>
+        </p:txBody>
+      </p:sp>
+      <p:sp>
+        <p:nvSpPr>
+          <p:cNvPr id="4" name="Footer Placeholder 3">
+            <a:extLst>
+              <a:ext uri="{FF2B5EF4-FFF2-40B4-BE49-F238E27FC236}">
+                <a16:creationId xmlns:a16="http://schemas.microsoft.com/office/drawing/2014/main" id="{6C9A0293-5C5C-4B47-975D-4F964E3C9AC6}"/>
+              </a:ext>
+            </a:extLst>
+          </p:cNvPr>
+          <p:cNvSpPr>
+            <a:spLocks noGrp="1"/>
+          </p:cNvSpPr>
+          <p:nvPr>
+            <p:ph type="ftr" sz="quarter" idx="11"/>
+          </p:nvPr>
+        </p:nvSpPr>
+        <p:spPr/>
+        <p:txBody>
+          <a:bodyPr/>
+          <a:lstStyle/>
+          <a:p>
+            <a:r>
+              <a:rPr lang="es-MX"/>
+              <a:t>Lic. José Orihuela Sánchez Programación y Aplicaciones para la Web</a:t>
+            </a:r>
           </a:p>
         </p:txBody>
       </p:sp>
@@ -4510,10 +4878,9 @@
           <a:p>
             <a:pPr lvl="1"/>
             <a:r>
-              <a:rPr lang="es-MX" b="1" dirty="0" err="1"/>
-              <a:t>Parametros</a:t>
-            </a:r>
-            <a:endParaRPr lang="es-MX" b="1" dirty="0"/>
+              <a:rPr lang="es-MX" b="1" dirty="0"/>
+              <a:t>Parámetros</a:t>
+            </a:r>
           </a:p>
           <a:p>
             <a:pPr lvl="1"/>
@@ -4522,6 +4889,34 @@
           <a:p>
             <a:pPr lvl="2"/>
             <a:endParaRPr lang="es-MX" b="1" dirty="0"/>
+          </a:p>
+        </p:txBody>
+      </p:sp>
+      <p:sp>
+        <p:nvSpPr>
+          <p:cNvPr id="4" name="Footer Placeholder 3">
+            <a:extLst>
+              <a:ext uri="{FF2B5EF4-FFF2-40B4-BE49-F238E27FC236}">
+                <a16:creationId xmlns:a16="http://schemas.microsoft.com/office/drawing/2014/main" id="{2BABA264-4C4C-4B66-ADC8-FBEF5440D453}"/>
+              </a:ext>
+            </a:extLst>
+          </p:cNvPr>
+          <p:cNvSpPr>
+            <a:spLocks noGrp="1"/>
+          </p:cNvSpPr>
+          <p:nvPr>
+            <p:ph type="ftr" sz="quarter" idx="11"/>
+          </p:nvPr>
+        </p:nvSpPr>
+        <p:spPr/>
+        <p:txBody>
+          <a:bodyPr/>
+          <a:lstStyle/>
+          <a:p>
+            <a:r>
+              <a:rPr lang="es-MX"/>
+              <a:t>Lic. José Orihuela Sánchez Programación y Aplicaciones para la Web</a:t>
+            </a:r>
           </a:p>
         </p:txBody>
       </p:sp>
@@ -4577,15 +4972,11 @@
           <a:lstStyle/>
           <a:p>
             <a:r>
-              <a:rPr lang="en-US" dirty="0" err="1"/>
-              <a:t>Funciones</a:t>
-            </a:r>
-            <a:r>
-              <a:rPr lang="en-US" dirty="0"/>
-              <a:t> </a:t>
-            </a:r>
-            <a:r>
-              <a:rPr lang="en-US" dirty="0" err="1"/>
+              <a:rPr lang="es-MX" dirty="0"/>
+              <a:t>Funciones </a:t>
+            </a:r>
+            <a:r>
+              <a:rPr lang="es-MX" dirty="0" err="1"/>
               <a:t>estaticas</a:t>
             </a:r>
             <a:endParaRPr lang="es-MX" dirty="0"/>
@@ -4614,254 +5005,97 @@
           <a:lstStyle/>
           <a:p>
             <a:r>
-              <a:rPr lang="en-US" dirty="0"/>
-              <a:t>Las </a:t>
-            </a:r>
-            <a:r>
-              <a:rPr lang="en-US" dirty="0" err="1"/>
-              <a:t>funciones</a:t>
-            </a:r>
-            <a:r>
-              <a:rPr lang="en-US" dirty="0"/>
+              <a:rPr lang="es-MX" dirty="0"/>
+              <a:t>Las funciones </a:t>
+            </a:r>
+            <a:r>
+              <a:rPr lang="es-MX" dirty="0" err="1"/>
+              <a:t>estaticas</a:t>
+            </a:r>
+            <a:r>
+              <a:rPr lang="es-MX" dirty="0"/>
+              <a:t> son funciones que permiten ser llamadas sin instanciar a la clase donde pertenece.</a:t>
+            </a:r>
+          </a:p>
+          <a:p>
+            <a:r>
+              <a:rPr lang="es-MX" dirty="0"/>
+              <a:t>De esta manera podremos crear una </a:t>
+            </a:r>
+            <a:r>
+              <a:rPr lang="es-MX" dirty="0" err="1"/>
+              <a:t>libreria</a:t>
+            </a:r>
+            <a:r>
+              <a:rPr lang="es-MX" dirty="0"/>
+              <a:t> de funciones para usos </a:t>
+            </a:r>
+            <a:r>
+              <a:rPr lang="es-MX" dirty="0" err="1"/>
+              <a:t>especificos</a:t>
+            </a:r>
+            <a:endParaRPr lang="es-MX" dirty="0"/>
+          </a:p>
+          <a:p>
+            <a:r>
+              <a:rPr lang="es-MX" dirty="0"/>
+              <a:t>Se debe agregar la etiqueta </a:t>
+            </a:r>
+            <a:r>
+              <a:rPr lang="es-MX" b="1" dirty="0" err="1"/>
+              <a:t>static</a:t>
+            </a:r>
+            <a:r>
+              <a:rPr lang="es-MX" b="1" dirty="0"/>
               <a:t> </a:t>
             </a:r>
             <a:r>
-              <a:rPr lang="en-US" dirty="0" err="1"/>
-              <a:t>estaticas</a:t>
-            </a:r>
-            <a:r>
-              <a:rPr lang="en-US" dirty="0"/>
-              <a:t> son </a:t>
-            </a:r>
-            <a:r>
-              <a:rPr lang="en-US" dirty="0" err="1"/>
-              <a:t>funciones</a:t>
-            </a:r>
-            <a:r>
-              <a:rPr lang="en-US" dirty="0"/>
-              <a:t> que </a:t>
-            </a:r>
-            <a:r>
-              <a:rPr lang="en-US" dirty="0" err="1"/>
-              <a:t>permiten</a:t>
-            </a:r>
-            <a:r>
-              <a:rPr lang="en-US" dirty="0"/>
-              <a:t> ser </a:t>
-            </a:r>
-            <a:r>
-              <a:rPr lang="en-US" dirty="0" err="1"/>
-              <a:t>llamadas</a:t>
-            </a:r>
-            <a:r>
-              <a:rPr lang="en-US" dirty="0"/>
-              <a:t> sin </a:t>
-            </a:r>
-            <a:r>
-              <a:rPr lang="en-US" dirty="0" err="1"/>
-              <a:t>instanciar</a:t>
-            </a:r>
-            <a:r>
-              <a:rPr lang="en-US" dirty="0"/>
-              <a:t> a la </a:t>
-            </a:r>
-            <a:r>
-              <a:rPr lang="en-US" dirty="0" err="1"/>
-              <a:t>clase</a:t>
-            </a:r>
-            <a:r>
-              <a:rPr lang="en-US" dirty="0"/>
+              <a:rPr lang="es-MX" dirty="0"/>
+              <a:t>a la </a:t>
+            </a:r>
+            <a:r>
+              <a:rPr lang="es-MX" dirty="0" err="1"/>
+              <a:t>function</a:t>
+            </a:r>
+            <a:r>
+              <a:rPr lang="es-MX" dirty="0"/>
+              <a:t> entre el </a:t>
+            </a:r>
+            <a:r>
+              <a:rPr lang="es-MX" b="1" dirty="0"/>
+              <a:t>nivel de acceso </a:t>
+            </a:r>
+            <a:r>
+              <a:rPr lang="es-MX" dirty="0"/>
+              <a:t>y el </a:t>
+            </a:r>
+            <a:r>
+              <a:rPr lang="es-MX" b="1" dirty="0"/>
+              <a:t>tipo de retorno</a:t>
+            </a:r>
+            <a:endParaRPr lang="es-MX" dirty="0"/>
+          </a:p>
+          <a:p>
+            <a:r>
+              <a:rPr lang="es-MX" dirty="0"/>
+              <a:t>Para declarar una </a:t>
+            </a:r>
+            <a:r>
+              <a:rPr lang="es-MX" dirty="0" err="1"/>
+              <a:t>function</a:t>
+            </a:r>
+            <a:r>
+              <a:rPr lang="es-MX" dirty="0"/>
               <a:t> </a:t>
             </a:r>
             <a:r>
-              <a:rPr lang="en-US" dirty="0" err="1"/>
-              <a:t>donde</a:t>
-            </a:r>
-            <a:r>
-              <a:rPr lang="en-US" dirty="0"/>
-              <a:t> </a:t>
-            </a:r>
-            <a:r>
-              <a:rPr lang="en-US" dirty="0" err="1"/>
-              <a:t>pertenece</a:t>
-            </a:r>
-            <a:r>
-              <a:rPr lang="en-US" dirty="0"/>
-              <a:t>.</a:t>
-            </a:r>
-          </a:p>
-          <a:p>
-            <a:r>
-              <a:rPr lang="en-US" dirty="0"/>
-              <a:t>De </a:t>
-            </a:r>
-            <a:r>
-              <a:rPr lang="en-US" dirty="0" err="1"/>
-              <a:t>esta</a:t>
-            </a:r>
-            <a:r>
-              <a:rPr lang="en-US" dirty="0"/>
-              <a:t> </a:t>
-            </a:r>
-            <a:r>
-              <a:rPr lang="en-US" dirty="0" err="1"/>
-              <a:t>manera</a:t>
-            </a:r>
-            <a:r>
-              <a:rPr lang="en-US" dirty="0"/>
-              <a:t> </a:t>
-            </a:r>
-            <a:r>
-              <a:rPr lang="en-US" dirty="0" err="1"/>
-              <a:t>podremos</a:t>
-            </a:r>
-            <a:r>
-              <a:rPr lang="en-US" dirty="0"/>
-              <a:t> </a:t>
-            </a:r>
-            <a:r>
-              <a:rPr lang="en-US" dirty="0" err="1"/>
-              <a:t>crear</a:t>
-            </a:r>
-            <a:r>
-              <a:rPr lang="en-US" dirty="0"/>
-              <a:t> una </a:t>
-            </a:r>
-            <a:r>
-              <a:rPr lang="en-US" dirty="0" err="1"/>
-              <a:t>libreria</a:t>
-            </a:r>
-            <a:r>
-              <a:rPr lang="en-US" dirty="0"/>
-              <a:t> de </a:t>
-            </a:r>
-            <a:r>
-              <a:rPr lang="en-US" dirty="0" err="1"/>
-              <a:t>funciones</a:t>
-            </a:r>
-            <a:r>
-              <a:rPr lang="en-US" dirty="0"/>
-              <a:t> para </a:t>
-            </a:r>
-            <a:r>
-              <a:rPr lang="en-US" dirty="0" err="1"/>
-              <a:t>usos</a:t>
-            </a:r>
-            <a:r>
-              <a:rPr lang="en-US" dirty="0"/>
-              <a:t> </a:t>
-            </a:r>
-            <a:r>
-              <a:rPr lang="en-US" dirty="0" err="1"/>
-              <a:t>especificos</a:t>
-            </a:r>
-            <a:endParaRPr lang="en-US" dirty="0"/>
-          </a:p>
-          <a:p>
-            <a:r>
-              <a:rPr lang="en-US" dirty="0"/>
-              <a:t>Se debe </a:t>
-            </a:r>
-            <a:r>
-              <a:rPr lang="en-US" dirty="0" err="1"/>
-              <a:t>agregar</a:t>
-            </a:r>
-            <a:r>
-              <a:rPr lang="en-US" dirty="0"/>
-              <a:t> la </a:t>
-            </a:r>
-            <a:r>
-              <a:rPr lang="en-US" dirty="0" err="1"/>
-              <a:t>etiqueta</a:t>
-            </a:r>
-            <a:r>
-              <a:rPr lang="en-US" dirty="0"/>
-              <a:t> </a:t>
-            </a:r>
-            <a:r>
-              <a:rPr lang="en-US" b="1" dirty="0"/>
-              <a:t>static </a:t>
-            </a:r>
-            <a:r>
-              <a:rPr lang="en-US" dirty="0"/>
-              <a:t>a la function entre el </a:t>
-            </a:r>
-            <a:r>
-              <a:rPr lang="en-US" b="1" dirty="0" err="1"/>
-              <a:t>nivel</a:t>
-            </a:r>
-            <a:r>
-              <a:rPr lang="en-US" b="1" dirty="0"/>
-              <a:t> de </a:t>
-            </a:r>
-            <a:r>
-              <a:rPr lang="en-US" b="1" dirty="0" err="1"/>
-              <a:t>acceso</a:t>
-            </a:r>
-            <a:r>
-              <a:rPr lang="en-US" b="1" dirty="0"/>
-              <a:t> </a:t>
-            </a:r>
-            <a:r>
-              <a:rPr lang="en-US" dirty="0"/>
-              <a:t>y el </a:t>
-            </a:r>
-            <a:r>
-              <a:rPr lang="en-US" b="1" dirty="0" err="1"/>
-              <a:t>tipo</a:t>
-            </a:r>
-            <a:r>
-              <a:rPr lang="en-US" b="1" dirty="0"/>
-              <a:t> de </a:t>
-            </a:r>
-            <a:r>
-              <a:rPr lang="en-US" b="1" dirty="0" err="1"/>
-              <a:t>retorno</a:t>
-            </a:r>
-            <a:endParaRPr lang="en-US" dirty="0"/>
-          </a:p>
-          <a:p>
-            <a:r>
-              <a:rPr lang="en-US" dirty="0"/>
-              <a:t>Para </a:t>
-            </a:r>
-            <a:r>
-              <a:rPr lang="en-US" dirty="0" err="1"/>
-              <a:t>declarar</a:t>
-            </a:r>
-            <a:r>
-              <a:rPr lang="en-US" dirty="0"/>
-              <a:t> una function </a:t>
-            </a:r>
-            <a:r>
-              <a:rPr lang="en-US" dirty="0" err="1"/>
+              <a:rPr lang="es-MX" dirty="0" err="1"/>
               <a:t>estatica</a:t>
             </a:r>
             <a:r>
-              <a:rPr lang="en-US" dirty="0"/>
-              <a:t> se </a:t>
-            </a:r>
-            <a:r>
-              <a:rPr lang="en-US" dirty="0" err="1"/>
-              <a:t>realiza</a:t>
-            </a:r>
-            <a:r>
-              <a:rPr lang="en-US" dirty="0"/>
-              <a:t> de la </a:t>
-            </a:r>
-            <a:r>
-              <a:rPr lang="en-US" dirty="0" err="1"/>
-              <a:t>siguiente</a:t>
-            </a:r>
-            <a:r>
-              <a:rPr lang="en-US" dirty="0"/>
-              <a:t> </a:t>
-            </a:r>
-            <a:r>
-              <a:rPr lang="en-US" dirty="0" err="1"/>
-              <a:t>manera</a:t>
-            </a:r>
-            <a:endParaRPr lang="en-US" dirty="0"/>
+              <a:rPr lang="es-MX" dirty="0"/>
+              <a:t> se realiza de la siguiente manera</a:t>
+            </a:r>
           </a:p>
           <a:p>
             <a:pPr lvl="1"/>
@@ -4885,6 +5119,34 @@
               <a:t>{}</a:t>
             </a:r>
             <a:endParaRPr lang="es-MX" b="1" dirty="0"/>
+          </a:p>
+        </p:txBody>
+      </p:sp>
+      <p:sp>
+        <p:nvSpPr>
+          <p:cNvPr id="4" name="Footer Placeholder 3">
+            <a:extLst>
+              <a:ext uri="{FF2B5EF4-FFF2-40B4-BE49-F238E27FC236}">
+                <a16:creationId xmlns:a16="http://schemas.microsoft.com/office/drawing/2014/main" id="{C2E48CAF-3187-4336-B2E3-0116BCCBA82C}"/>
+              </a:ext>
+            </a:extLst>
+          </p:cNvPr>
+          <p:cNvSpPr>
+            <a:spLocks noGrp="1"/>
+          </p:cNvSpPr>
+          <p:nvPr>
+            <p:ph type="ftr" sz="quarter" idx="11"/>
+          </p:nvPr>
+        </p:nvSpPr>
+        <p:spPr/>
+        <p:txBody>
+          <a:bodyPr/>
+          <a:lstStyle/>
+          <a:p>
+            <a:r>
+              <a:rPr lang="es-MX"/>
+              <a:t>Lic. José Orihuela Sánchez Programación y Aplicaciones para la Web</a:t>
+            </a:r>
           </a:p>
         </p:txBody>
       </p:sp>
@@ -5066,6 +5328,34 @@
           </a:p>
         </p:txBody>
       </p:sp>
+      <p:sp>
+        <p:nvSpPr>
+          <p:cNvPr id="4" name="Footer Placeholder 3">
+            <a:extLst>
+              <a:ext uri="{FF2B5EF4-FFF2-40B4-BE49-F238E27FC236}">
+                <a16:creationId xmlns:a16="http://schemas.microsoft.com/office/drawing/2014/main" id="{8F7446FF-E0C7-4C94-930B-58DDD7B27A37}"/>
+              </a:ext>
+            </a:extLst>
+          </p:cNvPr>
+          <p:cNvSpPr>
+            <a:spLocks noGrp="1"/>
+          </p:cNvSpPr>
+          <p:nvPr>
+            <p:ph type="ftr" sz="quarter" idx="11"/>
+          </p:nvPr>
+        </p:nvSpPr>
+        <p:spPr/>
+        <p:txBody>
+          <a:bodyPr/>
+          <a:lstStyle/>
+          <a:p>
+            <a:r>
+              <a:rPr lang="es-MX"/>
+              <a:t>Lic. José Orihuela Sánchez Programación y Aplicaciones para la Web</a:t>
+            </a:r>
+          </a:p>
+        </p:txBody>
+      </p:sp>
     </p:spTree>
     <p:extLst>
       <p:ext uri="{BB962C8B-B14F-4D97-AF65-F5344CB8AC3E}">
@@ -5118,10 +5408,9 @@
           <a:lstStyle/>
           <a:p>
             <a:r>
-              <a:rPr lang="en-US" dirty="0" err="1"/>
+              <a:rPr lang="es-MX" dirty="0"/>
               <a:t>Clases</a:t>
             </a:r>
-            <a:endParaRPr lang="es-MX" dirty="0"/>
           </a:p>
         </p:txBody>
       </p:sp>
@@ -5147,177 +5436,85 @@
           <a:lstStyle/>
           <a:p>
             <a:r>
-              <a:rPr lang="en-US" dirty="0"/>
-              <a:t>Las </a:t>
-            </a:r>
-            <a:r>
-              <a:rPr lang="en-US" dirty="0" err="1"/>
-              <a:t>clases</a:t>
-            </a:r>
-            <a:r>
-              <a:rPr lang="en-US" dirty="0"/>
-              <a:t> son </a:t>
-            </a:r>
-            <a:r>
-              <a:rPr lang="en-US" dirty="0" err="1"/>
-              <a:t>nuestra</a:t>
-            </a:r>
-            <a:r>
-              <a:rPr lang="en-US" dirty="0"/>
-              <a:t> principal </a:t>
-            </a:r>
-            <a:r>
-              <a:rPr lang="en-US" dirty="0" err="1"/>
-              <a:t>herramienta</a:t>
-            </a:r>
-            <a:r>
-              <a:rPr lang="en-US" dirty="0"/>
-              <a:t> para </a:t>
-            </a:r>
-            <a:r>
-              <a:rPr lang="en-US" dirty="0" err="1"/>
-              <a:t>poder</a:t>
-            </a:r>
-            <a:r>
-              <a:rPr lang="en-US" dirty="0"/>
-              <a:t> </a:t>
-            </a:r>
-            <a:r>
-              <a:rPr lang="en-US" dirty="0" err="1"/>
-              <a:t>generar</a:t>
-            </a:r>
-            <a:r>
-              <a:rPr lang="en-US" dirty="0"/>
-              <a:t> la </a:t>
-            </a:r>
-            <a:r>
-              <a:rPr lang="en-US" dirty="0" err="1"/>
+              <a:rPr lang="es-MX" dirty="0"/>
+              <a:t>Las clases son nuestra principal herramienta para poder generar la </a:t>
+            </a:r>
+            <a:r>
+              <a:rPr lang="es-MX" dirty="0" err="1"/>
               <a:t>programacion</a:t>
             </a:r>
             <a:r>
-              <a:rPr lang="en-US" dirty="0"/>
-              <a:t> </a:t>
-            </a:r>
-            <a:r>
-              <a:rPr lang="en-US" dirty="0" err="1"/>
-              <a:t>orientada</a:t>
-            </a:r>
-            <a:r>
-              <a:rPr lang="en-US" dirty="0"/>
-              <a:t> a </a:t>
-            </a:r>
-            <a:r>
-              <a:rPr lang="en-US" dirty="0" err="1"/>
-              <a:t>objetos</a:t>
-            </a:r>
-            <a:endParaRPr lang="en-US" dirty="0"/>
-          </a:p>
-          <a:p>
-            <a:r>
-              <a:rPr lang="en-US" dirty="0" err="1"/>
-              <a:t>En</a:t>
-            </a:r>
-            <a:r>
-              <a:rPr lang="en-US" dirty="0"/>
-              <a:t> </a:t>
-            </a:r>
-            <a:r>
-              <a:rPr lang="en-US" dirty="0" err="1"/>
-              <a:t>nuestro</a:t>
-            </a:r>
-            <a:r>
-              <a:rPr lang="en-US" dirty="0"/>
-              <a:t> </a:t>
-            </a:r>
-            <a:r>
-              <a:rPr lang="en-US" dirty="0" err="1"/>
-              <a:t>caso</a:t>
-            </a:r>
-            <a:r>
-              <a:rPr lang="en-US" dirty="0"/>
-              <a:t> </a:t>
-            </a:r>
-            <a:r>
-              <a:rPr lang="en-US" dirty="0" err="1"/>
-              <a:t>si</a:t>
-            </a:r>
-            <a:r>
-              <a:rPr lang="en-US" dirty="0"/>
-              <a:t> </a:t>
-            </a:r>
-            <a:r>
-              <a:rPr lang="en-US" dirty="0" err="1"/>
-              <a:t>gustamos</a:t>
-            </a:r>
-            <a:r>
-              <a:rPr lang="en-US" dirty="0"/>
-              <a:t> </a:t>
-            </a:r>
-            <a:r>
-              <a:rPr lang="en-US" dirty="0" err="1"/>
-              <a:t>agregar</a:t>
-            </a:r>
-            <a:r>
-              <a:rPr lang="en-US" dirty="0"/>
-              <a:t> una </a:t>
-            </a:r>
-            <a:r>
-              <a:rPr lang="en-US" dirty="0" err="1"/>
-              <a:t>nueva</a:t>
-            </a:r>
-            <a:r>
-              <a:rPr lang="en-US" dirty="0"/>
-              <a:t> </a:t>
-            </a:r>
-            <a:r>
-              <a:rPr lang="en-US" dirty="0" err="1"/>
-              <a:t>clase</a:t>
-            </a:r>
-            <a:r>
-              <a:rPr lang="en-US" dirty="0"/>
-              <a:t> </a:t>
+              <a:rPr lang="es-MX" dirty="0"/>
+              <a:t> orientada a objetos</a:t>
+            </a:r>
+          </a:p>
+          <a:p>
+            <a:r>
+              <a:rPr lang="es-MX" dirty="0"/>
+              <a:t>En nuestro caso si gustamos agregar una nueva clase </a:t>
             </a:r>
           </a:p>
           <a:p>
             <a:pPr lvl="1"/>
             <a:r>
-              <a:rPr lang="en-US" dirty="0"/>
-              <a:t>Click derecho </a:t>
-            </a:r>
-            <a:r>
-              <a:rPr lang="en-US" dirty="0" err="1"/>
-              <a:t>sobre</a:t>
-            </a:r>
-            <a:r>
-              <a:rPr lang="en-US" dirty="0"/>
-              <a:t> </a:t>
-            </a:r>
-            <a:r>
-              <a:rPr lang="en-US" dirty="0" err="1"/>
-              <a:t>nuestro</a:t>
-            </a:r>
-            <a:r>
-              <a:rPr lang="en-US" dirty="0"/>
-              <a:t> Proyecto</a:t>
+              <a:rPr lang="es-MX" dirty="0" err="1"/>
+              <a:t>Click</a:t>
+            </a:r>
+            <a:r>
+              <a:rPr lang="es-MX" dirty="0"/>
+              <a:t> derecho sobre nuestro Proyecto</a:t>
             </a:r>
           </a:p>
           <a:p>
             <a:pPr lvl="1"/>
             <a:r>
-              <a:rPr lang="en-US" dirty="0"/>
+              <a:rPr lang="es-MX" dirty="0"/>
               <a:t>New</a:t>
             </a:r>
           </a:p>
           <a:p>
             <a:pPr lvl="1"/>
             <a:r>
-              <a:rPr lang="en-US" dirty="0"/>
-              <a:t>Java Class</a:t>
-            </a:r>
+              <a:rPr lang="es-MX" dirty="0"/>
+              <a:t>Java </a:t>
+            </a:r>
+            <a:r>
+              <a:rPr lang="es-MX" dirty="0" err="1"/>
+              <a:t>Class</a:t>
+            </a:r>
+            <a:endParaRPr lang="es-MX" dirty="0"/>
           </a:p>
           <a:p>
             <a:pPr lvl="1"/>
             <a:endParaRPr lang="es-MX" dirty="0"/>
+          </a:p>
+        </p:txBody>
+      </p:sp>
+      <p:sp>
+        <p:nvSpPr>
+          <p:cNvPr id="4" name="Footer Placeholder 3">
+            <a:extLst>
+              <a:ext uri="{FF2B5EF4-FFF2-40B4-BE49-F238E27FC236}">
+                <a16:creationId xmlns:a16="http://schemas.microsoft.com/office/drawing/2014/main" id="{22E1FA2A-4724-4C49-A088-DC13C4B3854F}"/>
+              </a:ext>
+            </a:extLst>
+          </p:cNvPr>
+          <p:cNvSpPr>
+            <a:spLocks noGrp="1"/>
+          </p:cNvSpPr>
+          <p:nvPr>
+            <p:ph type="ftr" sz="quarter" idx="11"/>
+          </p:nvPr>
+        </p:nvSpPr>
+        <p:spPr/>
+        <p:txBody>
+          <a:bodyPr/>
+          <a:lstStyle/>
+          <a:p>
+            <a:r>
+              <a:rPr lang="es-MX"/>
+              <a:t>Lic. José Orihuela Sánchez Programación y Aplicaciones para la Web</a:t>
+            </a:r>
           </a:p>
         </p:txBody>
       </p:sp>
@@ -5373,18 +5570,9 @@
           <a:lstStyle/>
           <a:p>
             <a:r>
-              <a:rPr lang="en-US" dirty="0" err="1"/>
-              <a:t>Clases</a:t>
-            </a:r>
-            <a:r>
-              <a:rPr lang="en-US" dirty="0"/>
-              <a:t> </a:t>
-            </a:r>
-            <a:r>
-              <a:rPr lang="en-US" dirty="0" err="1"/>
-              <a:t>Estaticas</a:t>
-            </a:r>
-            <a:endParaRPr lang="es-MX" dirty="0"/>
+              <a:rPr lang="es-MX" dirty="0"/>
+              <a:t>Clases Estáticas</a:t>
+            </a:r>
           </a:p>
         </p:txBody>
       </p:sp>
@@ -5410,141 +5598,43 @@
           <a:lstStyle/>
           <a:p>
             <a:r>
-              <a:rPr lang="en-US" dirty="0"/>
-              <a:t>Las </a:t>
-            </a:r>
-            <a:r>
-              <a:rPr lang="en-US" dirty="0" err="1"/>
-              <a:t>clases</a:t>
-            </a:r>
-            <a:r>
-              <a:rPr lang="en-US" dirty="0"/>
-              <a:t> </a:t>
-            </a:r>
-            <a:r>
-              <a:rPr lang="en-US" dirty="0" err="1"/>
-              <a:t>internas</a:t>
-            </a:r>
-            <a:r>
-              <a:rPr lang="en-US" dirty="0"/>
-              <a:t> o </a:t>
-            </a:r>
-            <a:r>
-              <a:rPr lang="en-US" dirty="0" err="1"/>
-              <a:t>anidadas</a:t>
-            </a:r>
-            <a:r>
-              <a:rPr lang="en-US" dirty="0"/>
-              <a:t> </a:t>
-            </a:r>
-            <a:r>
-              <a:rPr lang="en-US" dirty="0" err="1"/>
-              <a:t>pueden</a:t>
-            </a:r>
-            <a:r>
-              <a:rPr lang="en-US" dirty="0"/>
-              <a:t> ser </a:t>
-            </a:r>
-            <a:r>
-              <a:rPr lang="en-US" dirty="0" err="1"/>
-              <a:t>estaticas</a:t>
-            </a:r>
-            <a:r>
-              <a:rPr lang="en-US" dirty="0"/>
-              <a:t>, </a:t>
-            </a:r>
-            <a:r>
-              <a:rPr lang="en-US" dirty="0" err="1"/>
-              <a:t>permitiendonos</a:t>
-            </a:r>
-            <a:r>
-              <a:rPr lang="en-US" dirty="0"/>
-              <a:t> </a:t>
-            </a:r>
-            <a:r>
-              <a:rPr lang="en-US" dirty="0" err="1"/>
-              <a:t>simplificar</a:t>
-            </a:r>
-            <a:r>
-              <a:rPr lang="en-US" dirty="0"/>
-              <a:t> el </a:t>
-            </a:r>
-            <a:r>
-              <a:rPr lang="en-US" dirty="0" err="1"/>
-              <a:t>uso</a:t>
-            </a:r>
-            <a:r>
-              <a:rPr lang="en-US" dirty="0"/>
-              <a:t> de la </a:t>
-            </a:r>
-            <a:r>
-              <a:rPr lang="en-US" dirty="0" err="1"/>
-              <a:t>clase</a:t>
-            </a:r>
-            <a:r>
-              <a:rPr lang="en-US" dirty="0"/>
-              <a:t> a la </a:t>
-            </a:r>
-            <a:r>
-              <a:rPr lang="en-US" dirty="0" err="1"/>
-              <a:t>cual</a:t>
-            </a:r>
-            <a:r>
-              <a:rPr lang="en-US" dirty="0"/>
-              <a:t> </a:t>
-            </a:r>
-            <a:r>
-              <a:rPr lang="en-US" dirty="0" err="1"/>
-              <a:t>pertenece</a:t>
-            </a:r>
-            <a:endParaRPr lang="en-US" dirty="0"/>
-          </a:p>
-          <a:p>
-            <a:r>
-              <a:rPr lang="en-US" dirty="0"/>
-              <a:t>Un </a:t>
-            </a:r>
-            <a:r>
-              <a:rPr lang="en-US" dirty="0" err="1"/>
-              <a:t>ejemplo</a:t>
-            </a:r>
-            <a:r>
-              <a:rPr lang="en-US" dirty="0"/>
-              <a:t> de </a:t>
-            </a:r>
-            <a:r>
-              <a:rPr lang="en-US" dirty="0" err="1"/>
-              <a:t>esto</a:t>
-            </a:r>
-            <a:r>
-              <a:rPr lang="en-US" dirty="0"/>
-              <a:t> es la </a:t>
-            </a:r>
-            <a:r>
-              <a:rPr lang="en-US" dirty="0" err="1"/>
-              <a:t>implementacion</a:t>
-            </a:r>
-            <a:r>
-              <a:rPr lang="en-US" dirty="0"/>
-              <a:t> de la </a:t>
-            </a:r>
-            <a:r>
-              <a:rPr lang="en-US" dirty="0" err="1"/>
-              <a:t>comparacion</a:t>
-            </a:r>
-            <a:r>
-              <a:rPr lang="en-US" dirty="0"/>
-              <a:t> de </a:t>
-            </a:r>
-            <a:r>
-              <a:rPr lang="en-US" dirty="0" err="1"/>
-              <a:t>objetos</a:t>
-            </a:r>
-            <a:r>
-              <a:rPr lang="en-US" dirty="0"/>
-              <a:t>.</a:t>
-            </a:r>
-            <a:endParaRPr lang="es-MX" dirty="0"/>
+              <a:rPr lang="es-MX" dirty="0"/>
+              <a:t>Las clases internas o anidadas pueden ser estáticas, permitiéndonos simplificar el uso de la clase a la cual pertenece</a:t>
+            </a:r>
+          </a:p>
+          <a:p>
+            <a:r>
+              <a:rPr lang="es-MX" dirty="0"/>
+              <a:t>Un ejemplo de esto es la implementación de la comparación de objetos.</a:t>
+            </a:r>
+          </a:p>
+        </p:txBody>
+      </p:sp>
+      <p:sp>
+        <p:nvSpPr>
+          <p:cNvPr id="4" name="Footer Placeholder 3">
+            <a:extLst>
+              <a:ext uri="{FF2B5EF4-FFF2-40B4-BE49-F238E27FC236}">
+                <a16:creationId xmlns:a16="http://schemas.microsoft.com/office/drawing/2014/main" id="{E9F06A1C-72A4-49C8-802A-63F987DAA655}"/>
+              </a:ext>
+            </a:extLst>
+          </p:cNvPr>
+          <p:cNvSpPr>
+            <a:spLocks noGrp="1"/>
+          </p:cNvSpPr>
+          <p:nvPr>
+            <p:ph type="ftr" sz="quarter" idx="11"/>
+          </p:nvPr>
+        </p:nvSpPr>
+        <p:spPr/>
+        <p:txBody>
+          <a:bodyPr/>
+          <a:lstStyle/>
+          <a:p>
+            <a:r>
+              <a:rPr lang="es-MX"/>
+              <a:t>Lic. José Orihuela Sánchez Programación y Aplicaciones para la Web</a:t>
+            </a:r>
           </a:p>
         </p:txBody>
       </p:sp>
@@ -5629,15 +5719,7 @@
           <a:p>
             <a:r>
               <a:rPr lang="es-MX" dirty="0"/>
-              <a:t>La </a:t>
-            </a:r>
-            <a:r>
-              <a:rPr lang="es-MX" dirty="0" err="1"/>
-              <a:t>dereclaracion</a:t>
-            </a:r>
-            <a:r>
-              <a:rPr lang="es-MX" dirty="0"/>
-              <a:t> de variables si tuviera que comparar con algún otro lenguaje seria con </a:t>
+              <a:t>La declaración de variables si tuviera que comparar con algún otro lenguaje seria con </a:t>
             </a:r>
             <a:r>
               <a:rPr lang="es-MX" b="1" dirty="0"/>
@@ -5702,6 +5784,34 @@
             <a:r>
               <a:rPr lang="es-MX" b="1" dirty="0"/>
               <a:t>;</a:t>
+            </a:r>
+          </a:p>
+        </p:txBody>
+      </p:sp>
+      <p:sp>
+        <p:nvSpPr>
+          <p:cNvPr id="4" name="Footer Placeholder 3">
+            <a:extLst>
+              <a:ext uri="{FF2B5EF4-FFF2-40B4-BE49-F238E27FC236}">
+                <a16:creationId xmlns:a16="http://schemas.microsoft.com/office/drawing/2014/main" id="{60D30FD5-7A5C-4215-B24B-A5D67C9C7B13}"/>
+              </a:ext>
+            </a:extLst>
+          </p:cNvPr>
+          <p:cNvSpPr>
+            <a:spLocks noGrp="1"/>
+          </p:cNvSpPr>
+          <p:nvPr>
+            <p:ph type="ftr" sz="quarter" idx="11"/>
+          </p:nvPr>
+        </p:nvSpPr>
+        <p:spPr/>
+        <p:txBody>
+          <a:bodyPr/>
+          <a:lstStyle/>
+          <a:p>
+            <a:r>
+              <a:rPr lang="es-MX"/>
+              <a:t>Lic. José Orihuela Sánchez Programación y Aplicaciones para la Web</a:t>
             </a:r>
           </a:p>
         </p:txBody>
@@ -5842,6 +5952,34 @@
           </a:p>
         </p:txBody>
       </p:sp>
+      <p:sp>
+        <p:nvSpPr>
+          <p:cNvPr id="4" name="Footer Placeholder 3">
+            <a:extLst>
+              <a:ext uri="{FF2B5EF4-FFF2-40B4-BE49-F238E27FC236}">
+                <a16:creationId xmlns:a16="http://schemas.microsoft.com/office/drawing/2014/main" id="{9C8F063A-5213-404F-8D95-D6130B42E3FE}"/>
+              </a:ext>
+            </a:extLst>
+          </p:cNvPr>
+          <p:cNvSpPr>
+            <a:spLocks noGrp="1"/>
+          </p:cNvSpPr>
+          <p:nvPr>
+            <p:ph type="ftr" sz="quarter" idx="11"/>
+          </p:nvPr>
+        </p:nvSpPr>
+        <p:spPr/>
+        <p:txBody>
+          <a:bodyPr/>
+          <a:lstStyle/>
+          <a:p>
+            <a:r>
+              <a:rPr lang="es-MX"/>
+              <a:t>Lic. José Orihuela Sánchez Programación y Aplicaciones para la Web</a:t>
+            </a:r>
+          </a:p>
+        </p:txBody>
+      </p:sp>
     </p:spTree>
     <p:extLst>
       <p:ext uri="{BB962C8B-B14F-4D97-AF65-F5344CB8AC3E}">
@@ -5894,14 +6032,9 @@
           <a:lstStyle/>
           <a:p>
             <a:r>
-              <a:rPr lang="en-US" dirty="0"/>
-              <a:t>Variable </a:t>
-            </a:r>
-            <a:r>
-              <a:rPr lang="en-US" dirty="0" err="1"/>
-              <a:t>estatica</a:t>
-            </a:r>
-            <a:endParaRPr lang="es-MX" dirty="0"/>
+              <a:rPr lang="es-MX" dirty="0"/>
+              <a:t>Variable estática</a:t>
+            </a:r>
           </a:p>
         </p:txBody>
       </p:sp>
@@ -5927,191 +6060,51 @@
           <a:lstStyle/>
           <a:p>
             <a:r>
-              <a:rPr lang="en-US" dirty="0"/>
-              <a:t>Las variables </a:t>
-            </a:r>
-            <a:r>
-              <a:rPr lang="en-US" dirty="0" err="1"/>
-              <a:t>estaticas</a:t>
-            </a:r>
-            <a:r>
-              <a:rPr lang="en-US" dirty="0"/>
-              <a:t> </a:t>
-            </a:r>
-            <a:r>
-              <a:rPr lang="en-US" dirty="0" err="1"/>
-              <a:t>nos</a:t>
-            </a:r>
-            <a:r>
-              <a:rPr lang="en-US" dirty="0"/>
-              <a:t> </a:t>
-            </a:r>
-            <a:r>
-              <a:rPr lang="en-US" dirty="0" err="1"/>
-              <a:t>permiten</a:t>
-            </a:r>
-            <a:r>
-              <a:rPr lang="en-US" dirty="0"/>
-              <a:t> la </a:t>
-            </a:r>
-            <a:r>
-              <a:rPr lang="en-US" dirty="0" err="1"/>
-              <a:t>creacion</a:t>
-            </a:r>
-            <a:r>
-              <a:rPr lang="en-US" dirty="0"/>
-              <a:t> de </a:t>
-            </a:r>
-            <a:r>
-              <a:rPr lang="en-US" dirty="0" err="1"/>
-              <a:t>valores</a:t>
-            </a:r>
-            <a:r>
-              <a:rPr lang="en-US" dirty="0"/>
-              <a:t> que no </a:t>
-            </a:r>
-            <a:r>
-              <a:rPr lang="en-US" dirty="0" err="1"/>
-              <a:t>seran</a:t>
-            </a:r>
-            <a:r>
-              <a:rPr lang="en-US" dirty="0"/>
-              <a:t> </a:t>
-            </a:r>
-            <a:r>
-              <a:rPr lang="en-US" dirty="0" err="1"/>
-              <a:t>modificados</a:t>
-            </a:r>
-            <a:r>
-              <a:rPr lang="en-US" dirty="0"/>
-              <a:t> y solo </a:t>
-            </a:r>
-            <a:r>
-              <a:rPr lang="en-US" dirty="0" err="1"/>
-              <a:t>seran</a:t>
-            </a:r>
-            <a:r>
-              <a:rPr lang="en-US" dirty="0"/>
-              <a:t> </a:t>
-            </a:r>
-            <a:r>
-              <a:rPr lang="en-US" dirty="0" err="1"/>
-              <a:t>asignados</a:t>
-            </a:r>
-            <a:r>
-              <a:rPr lang="en-US" dirty="0"/>
-              <a:t> una </a:t>
-            </a:r>
-            <a:r>
-              <a:rPr lang="en-US" dirty="0" err="1"/>
-              <a:t>vez</a:t>
-            </a:r>
-            <a:r>
-              <a:rPr lang="en-US" dirty="0"/>
-              <a:t>, </a:t>
-            </a:r>
-            <a:r>
-              <a:rPr lang="en-US" dirty="0" err="1"/>
-              <a:t>tal</a:t>
-            </a:r>
-            <a:r>
-              <a:rPr lang="en-US" dirty="0"/>
-              <a:t> </a:t>
-            </a:r>
-            <a:r>
-              <a:rPr lang="en-US" dirty="0" err="1"/>
-              <a:t>como</a:t>
-            </a:r>
-            <a:r>
-              <a:rPr lang="en-US" dirty="0"/>
-              <a:t> una </a:t>
-            </a:r>
-            <a:r>
-              <a:rPr lang="en-US" dirty="0" err="1"/>
-              <a:t>constante</a:t>
-            </a:r>
-            <a:r>
-              <a:rPr lang="en-US" dirty="0"/>
-              <a:t>.</a:t>
-            </a:r>
-          </a:p>
-          <a:p>
-            <a:r>
-              <a:rPr lang="en-US" dirty="0" err="1"/>
-              <a:t>Estas</a:t>
-            </a:r>
-            <a:r>
-              <a:rPr lang="en-US" dirty="0"/>
-              <a:t> variables solo </a:t>
-            </a:r>
-            <a:r>
-              <a:rPr lang="en-US" dirty="0" err="1"/>
-              <a:t>existe</a:t>
-            </a:r>
-            <a:r>
-              <a:rPr lang="en-US" dirty="0"/>
-              <a:t> con un </a:t>
-            </a:r>
-            <a:r>
-              <a:rPr lang="en-US" dirty="0" err="1"/>
-              <a:t>mismo</a:t>
-            </a:r>
-            <a:r>
-              <a:rPr lang="en-US" dirty="0"/>
-              <a:t> valor a </a:t>
-            </a:r>
-            <a:r>
-              <a:rPr lang="en-US" dirty="0" err="1"/>
-              <a:t>traves</a:t>
-            </a:r>
-            <a:r>
-              <a:rPr lang="en-US" dirty="0"/>
-              <a:t> de </a:t>
-            </a:r>
-            <a:r>
-              <a:rPr lang="en-US" dirty="0" err="1"/>
-              <a:t>todas</a:t>
-            </a:r>
-            <a:r>
-              <a:rPr lang="en-US" dirty="0"/>
-              <a:t> las </a:t>
-            </a:r>
-            <a:r>
-              <a:rPr lang="en-US" dirty="0" err="1"/>
-              <a:t>instancias</a:t>
-            </a:r>
-            <a:r>
-              <a:rPr lang="en-US" dirty="0"/>
-              <a:t> </a:t>
-            </a:r>
-            <a:r>
-              <a:rPr lang="en-US" dirty="0" err="1"/>
-              <a:t>existentes</a:t>
-            </a:r>
-            <a:r>
-              <a:rPr lang="en-US" dirty="0"/>
-              <a:t> de la </a:t>
-            </a:r>
-            <a:r>
-              <a:rPr lang="en-US" dirty="0" err="1"/>
-              <a:t>clase</a:t>
-            </a:r>
-            <a:endParaRPr lang="en-US" dirty="0"/>
-          </a:p>
-          <a:p>
-            <a:r>
-              <a:rPr lang="en-US" dirty="0" err="1"/>
+              <a:rPr lang="es-MX" dirty="0"/>
+              <a:t>Las variables estáticas nos permiten la creación de valores que solo serán asignados una vez entre todas las instancias</a:t>
+            </a:r>
+          </a:p>
+          <a:p>
+            <a:r>
+              <a:rPr lang="es-MX" dirty="0"/>
               <a:t>Ejemplo</a:t>
             </a:r>
-            <a:endParaRPr lang="en-US" dirty="0"/>
           </a:p>
           <a:p>
             <a:pPr lvl="1"/>
             <a:r>
-              <a:rPr lang="en-US" b="1"/>
+              <a:rPr lang="en-US" b="1" dirty="0"/>
               <a:t>static int count  = 0;</a:t>
             </a:r>
             <a:endParaRPr lang="es-MX" b="1" dirty="0"/>
+          </a:p>
+        </p:txBody>
+      </p:sp>
+      <p:sp>
+        <p:nvSpPr>
+          <p:cNvPr id="4" name="Footer Placeholder 3">
+            <a:extLst>
+              <a:ext uri="{FF2B5EF4-FFF2-40B4-BE49-F238E27FC236}">
+                <a16:creationId xmlns:a16="http://schemas.microsoft.com/office/drawing/2014/main" id="{AE02BAE0-1FC9-459D-92F9-CD57250DC5CA}"/>
+              </a:ext>
+            </a:extLst>
+          </p:cNvPr>
+          <p:cNvSpPr>
+            <a:spLocks noGrp="1"/>
+          </p:cNvSpPr>
+          <p:nvPr>
+            <p:ph type="ftr" sz="quarter" idx="11"/>
+          </p:nvPr>
+        </p:nvSpPr>
+        <p:spPr/>
+        <p:txBody>
+          <a:bodyPr/>
+          <a:lstStyle/>
+          <a:p>
+            <a:r>
+              <a:rPr lang="es-MX"/>
+              <a:t>Lic. José Orihuela Sánchez Programación y Aplicaciones para la Web</a:t>
+            </a:r>
           </a:p>
         </p:txBody>
       </p:sp>
@@ -6195,66 +6188,9 @@
           <a:lstStyle/>
           <a:p>
             <a:r>
-              <a:rPr lang="en-US" dirty="0" err="1"/>
-              <a:t>Podremos</a:t>
-            </a:r>
-            <a:r>
-              <a:rPr lang="en-US" dirty="0"/>
-              <a:t> </a:t>
-            </a:r>
-            <a:r>
-              <a:rPr lang="en-US" dirty="0" err="1"/>
-              <a:t>utilizar</a:t>
-            </a:r>
-            <a:r>
-              <a:rPr lang="en-US" dirty="0"/>
-              <a:t> las </a:t>
-            </a:r>
-            <a:r>
-              <a:rPr lang="en-US" dirty="0" err="1"/>
-              <a:t>mismas</a:t>
-            </a:r>
-            <a:r>
-              <a:rPr lang="en-US" dirty="0"/>
-              <a:t> </a:t>
-            </a:r>
-            <a:r>
-              <a:rPr lang="en-US" dirty="0" err="1"/>
-              <a:t>condiciones</a:t>
-            </a:r>
-            <a:r>
-              <a:rPr lang="en-US" dirty="0"/>
-              <a:t> que </a:t>
-            </a:r>
-            <a:r>
-              <a:rPr lang="en-US" dirty="0" err="1"/>
-              <a:t>hemos</a:t>
-            </a:r>
-            <a:r>
-              <a:rPr lang="en-US" dirty="0"/>
-              <a:t> </a:t>
-            </a:r>
-            <a:r>
-              <a:rPr lang="en-US" dirty="0" err="1"/>
-              <a:t>utilizado</a:t>
-            </a:r>
-            <a:r>
-              <a:rPr lang="en-US" dirty="0"/>
-              <a:t> </a:t>
-            </a:r>
-            <a:r>
-              <a:rPr lang="en-US" dirty="0" err="1"/>
-              <a:t>ya</a:t>
-            </a:r>
-            <a:r>
-              <a:rPr lang="en-US" dirty="0"/>
-              <a:t> tales </a:t>
-            </a:r>
-            <a:r>
-              <a:rPr lang="en-US" dirty="0" err="1"/>
-              <a:t>como</a:t>
-            </a:r>
-            <a:endParaRPr lang="en-US" dirty="0"/>
+              <a:rPr lang="es-MX" dirty="0"/>
+              <a:t>Podremos utilizar las mismas condiciones que hemos utilizado ya tales como</a:t>
+            </a:r>
           </a:p>
           <a:p>
             <a:pPr lvl="1"/>
@@ -6275,6 +6211,34 @@
             <a:r>
               <a:rPr lang="en-US" dirty="0"/>
               <a:t>switch</a:t>
+            </a:r>
+          </a:p>
+        </p:txBody>
+      </p:sp>
+      <p:sp>
+        <p:nvSpPr>
+          <p:cNvPr id="4" name="Footer Placeholder 3">
+            <a:extLst>
+              <a:ext uri="{FF2B5EF4-FFF2-40B4-BE49-F238E27FC236}">
+                <a16:creationId xmlns:a16="http://schemas.microsoft.com/office/drawing/2014/main" id="{56157F28-4DC1-4842-A0C8-08B3DF1504C8}"/>
+              </a:ext>
+            </a:extLst>
+          </p:cNvPr>
+          <p:cNvSpPr>
+            <a:spLocks noGrp="1"/>
+          </p:cNvSpPr>
+          <p:nvPr>
+            <p:ph type="ftr" sz="quarter" idx="11"/>
+          </p:nvPr>
+        </p:nvSpPr>
+        <p:spPr/>
+        <p:txBody>
+          <a:bodyPr/>
+          <a:lstStyle/>
+          <a:p>
+            <a:r>
+              <a:rPr lang="es-MX"/>
+              <a:t>Lic. José Orihuela Sánchez Programación y Aplicaciones para la Web</a:t>
             </a:r>
           </a:p>
         </p:txBody>
@@ -6331,7 +6295,7 @@
           <a:lstStyle/>
           <a:p>
             <a:r>
-              <a:rPr lang="en-US" dirty="0" err="1"/>
+              <a:rPr lang="es-MX" dirty="0" err="1"/>
               <a:t>Condicion</a:t>
             </a:r>
             <a:r>
@@ -6461,6 +6425,34 @@
           </a:p>
           <a:p>
             <a:endParaRPr lang="es-MX" dirty="0"/>
+          </a:p>
+        </p:txBody>
+      </p:sp>
+      <p:sp>
+        <p:nvSpPr>
+          <p:cNvPr id="4" name="Footer Placeholder 3">
+            <a:extLst>
+              <a:ext uri="{FF2B5EF4-FFF2-40B4-BE49-F238E27FC236}">
+                <a16:creationId xmlns:a16="http://schemas.microsoft.com/office/drawing/2014/main" id="{5846B422-528E-40B0-AC77-81B9CFF07EB9}"/>
+              </a:ext>
+            </a:extLst>
+          </p:cNvPr>
+          <p:cNvSpPr>
+            <a:spLocks noGrp="1"/>
+          </p:cNvSpPr>
+          <p:nvPr>
+            <p:ph type="ftr" sz="quarter" idx="11"/>
+          </p:nvPr>
+        </p:nvSpPr>
+        <p:spPr/>
+        <p:txBody>
+          <a:bodyPr/>
+          <a:lstStyle/>
+          <a:p>
+            <a:r>
+              <a:rPr lang="es-MX"/>
+              <a:t>Lic. José Orihuela Sánchez Programación y Aplicaciones para la Web</a:t>
+            </a:r>
           </a:p>
         </p:txBody>
       </p:sp>
@@ -6516,7 +6508,7 @@
           <a:lstStyle/>
           <a:p>
             <a:r>
-              <a:rPr lang="en-US" dirty="0" err="1"/>
+              <a:rPr lang="es-MX" dirty="0" err="1"/>
               <a:t>Condicion</a:t>
             </a:r>
             <a:r>
@@ -6602,6 +6594,34 @@
               <a:t>}</a:t>
             </a:r>
             <a:endParaRPr lang="es-MX" dirty="0"/>
+          </a:p>
+        </p:txBody>
+      </p:sp>
+      <p:sp>
+        <p:nvSpPr>
+          <p:cNvPr id="4" name="Footer Placeholder 3">
+            <a:extLst>
+              <a:ext uri="{FF2B5EF4-FFF2-40B4-BE49-F238E27FC236}">
+                <a16:creationId xmlns:a16="http://schemas.microsoft.com/office/drawing/2014/main" id="{8373F2D4-8EAC-4A01-8A6E-23A540E0A2EF}"/>
+              </a:ext>
+            </a:extLst>
+          </p:cNvPr>
+          <p:cNvSpPr>
+            <a:spLocks noGrp="1"/>
+          </p:cNvSpPr>
+          <p:nvPr>
+            <p:ph type="ftr" sz="quarter" idx="11"/>
+          </p:nvPr>
+        </p:nvSpPr>
+        <p:spPr/>
+        <p:txBody>
+          <a:bodyPr/>
+          <a:lstStyle/>
+          <a:p>
+            <a:r>
+              <a:rPr lang="es-MX"/>
+              <a:t>Lic. José Orihuela Sánchez Programación y Aplicaciones para la Web</a:t>
+            </a:r>
           </a:p>
         </p:txBody>
       </p:sp>
@@ -6686,34 +6706,9 @@
           <a:lstStyle/>
           <a:p>
             <a:r>
-              <a:rPr lang="en-US" dirty="0" err="1"/>
-              <a:t>Existen</a:t>
-            </a:r>
-            <a:r>
-              <a:rPr lang="en-US" dirty="0"/>
-              <a:t> </a:t>
-            </a:r>
-            <a:r>
-              <a:rPr lang="en-US" dirty="0" err="1"/>
-              <a:t>diversos</a:t>
-            </a:r>
-            <a:r>
-              <a:rPr lang="en-US" dirty="0"/>
-              <a:t> </a:t>
-            </a:r>
-            <a:r>
-              <a:rPr lang="en-US" dirty="0" err="1"/>
-              <a:t>tipos</a:t>
-            </a:r>
-            <a:r>
-              <a:rPr lang="en-US" dirty="0"/>
-              <a:t> de </a:t>
-            </a:r>
-            <a:r>
-              <a:rPr lang="en-US" dirty="0" err="1"/>
-              <a:t>ciclos</a:t>
-            </a:r>
-            <a:endParaRPr lang="en-US" dirty="0"/>
+              <a:rPr lang="es-MX" dirty="0"/>
+              <a:t>Existen diversos tipos de ciclos</a:t>
+            </a:r>
           </a:p>
           <a:p>
             <a:pPr lvl="1"/>
@@ -6746,6 +6741,34 @@
           <a:p>
             <a:pPr lvl="1"/>
             <a:endParaRPr lang="es-MX" dirty="0"/>
+          </a:p>
+        </p:txBody>
+      </p:sp>
+      <p:sp>
+        <p:nvSpPr>
+          <p:cNvPr id="4" name="Footer Placeholder 3">
+            <a:extLst>
+              <a:ext uri="{FF2B5EF4-FFF2-40B4-BE49-F238E27FC236}">
+                <a16:creationId xmlns:a16="http://schemas.microsoft.com/office/drawing/2014/main" id="{76E53AC2-DABA-45BF-ADE3-BC1EE1D6887F}"/>
+              </a:ext>
+            </a:extLst>
+          </p:cNvPr>
+          <p:cNvSpPr>
+            <a:spLocks noGrp="1"/>
+          </p:cNvSpPr>
+          <p:nvPr>
+            <p:ph type="ftr" sz="quarter" idx="11"/>
+          </p:nvPr>
+        </p:nvSpPr>
+        <p:spPr/>
+        <p:txBody>
+          <a:bodyPr/>
+          <a:lstStyle/>
+          <a:p>
+            <a:r>
+              <a:rPr lang="es-MX"/>
+              <a:t>Lic. José Orihuela Sánchez Programación y Aplicaciones para la Web</a:t>
+            </a:r>
           </a:p>
         </p:txBody>
       </p:sp>
@@ -6887,6 +6910,34 @@
             <a:r>
               <a:rPr lang="es-MX" dirty="0"/>
               <a:t>);</a:t>
+            </a:r>
+          </a:p>
+        </p:txBody>
+      </p:sp>
+      <p:sp>
+        <p:nvSpPr>
+          <p:cNvPr id="4" name="Footer Placeholder 3">
+            <a:extLst>
+              <a:ext uri="{FF2B5EF4-FFF2-40B4-BE49-F238E27FC236}">
+                <a16:creationId xmlns:a16="http://schemas.microsoft.com/office/drawing/2014/main" id="{9D9A3AD2-C08F-4D6A-979F-4AC718DC4B11}"/>
+              </a:ext>
+            </a:extLst>
+          </p:cNvPr>
+          <p:cNvSpPr>
+            <a:spLocks noGrp="1"/>
+          </p:cNvSpPr>
+          <p:nvPr>
+            <p:ph type="ftr" sz="quarter" idx="11"/>
+          </p:nvPr>
+        </p:nvSpPr>
+        <p:spPr/>
+        <p:txBody>
+          <a:bodyPr/>
+          <a:lstStyle/>
+          <a:p>
+            <a:r>
+              <a:rPr lang="es-MX"/>
+              <a:t>Lic. José Orihuela Sánchez Programación y Aplicaciones para la Web</a:t>
             </a:r>
           </a:p>
         </p:txBody>
@@ -7164,4 +7215,299 @@
     </a:ext>
   </a:extLst>
 </a:theme>
+</file>
+
+<file path=ppt/theme/theme2.xml><?xml version="1.0" encoding="utf-8"?>
+<a:theme xmlns:a="http://schemas.openxmlformats.org/drawingml/2006/main" name="Office Theme">
+  <a:themeElements>
+    <a:clrScheme name="Office">
+      <a:dk1>
+        <a:sysClr val="windowText" lastClr="000000"/>
+      </a:dk1>
+      <a:lt1>
+        <a:sysClr val="window" lastClr="FFFFFF"/>
+      </a:lt1>
+      <a:dk2>
+        <a:srgbClr val="44546A"/>
+      </a:dk2>
+      <a:lt2>
+        <a:srgbClr val="E7E6E6"/>
+      </a:lt2>
+      <a:accent1>
+        <a:srgbClr val="4472C4"/>
+      </a:accent1>
+      <a:accent2>
+        <a:srgbClr val="ED7D31"/>
+      </a:accent2>
+      <a:accent3>
+        <a:srgbClr val="A5A5A5"/>
+      </a:accent3>
+      <a:accent4>
+        <a:srgbClr val="FFC000"/>
+      </a:accent4>
+      <a:accent5>
+        <a:srgbClr val="5B9BD5"/>
+      </a:accent5>
+      <a:accent6>
+        <a:srgbClr val="70AD47"/>
+      </a:accent6>
+      <a:hlink>
+        <a:srgbClr val="0563C1"/>
+      </a:hlink>
+      <a:folHlink>
+        <a:srgbClr val="954F72"/>
+      </a:folHlink>
+    </a:clrScheme>
+    <a:fontScheme name="Office">
+      <a:majorFont>
+        <a:latin typeface="Calibri Light" panose="020F0302020204030204"/>
+        <a:ea typeface=""/>
+        <a:cs typeface=""/>
+        <a:font script="Jpan" typeface="游ゴシック Light"/>
+        <a:font script="Hang" typeface="맑은 고딕"/>
+        <a:font script="Hans" typeface="等线 Light"/>
+        <a:font script="Hant" typeface="新細明體"/>
+        <a:font script="Arab" typeface="Times New Roman"/>
+        <a:font script="Hebr" typeface="Times New Roman"/>
+        <a:font script="Thai" typeface="Angsana New"/>
+        <a:font script="Ethi" typeface="Nyala"/>
+        <a:font script="Beng" typeface="Vrinda"/>
+        <a:font script="Gujr" typeface="Shruti"/>
+        <a:font script="Khmr" typeface="MoolBoran"/>
+        <a:font script="Knda" typeface="Tunga"/>
+        <a:font script="Guru" typeface="Raavi"/>
+        <a:font script="Cans" typeface="Euphemia"/>
+        <a:font script="Cher" typeface="Plantagenet Cherokee"/>
+        <a:font script="Yiii" typeface="Microsoft Yi Baiti"/>
+        <a:font script="Tibt" typeface="Microsoft Himalaya"/>
+        <a:font script="Thaa" typeface="MV Boli"/>
+        <a:font script="Deva" typeface="Mangal"/>
+        <a:font script="Telu" typeface="Gautami"/>
+        <a:font script="Taml" typeface="Latha"/>
+        <a:font script="Syrc" typeface="Estrangelo Edessa"/>
+        <a:font script="Orya" typeface="Kalinga"/>
+        <a:font script="Mlym" typeface="Kartika"/>
+        <a:font script="Laoo" typeface="DokChampa"/>
+        <a:font script="Sinh" typeface="Iskoola Pota"/>
+        <a:font script="Mong" typeface="Mongolian Baiti"/>
+        <a:font script="Viet" typeface="Times New Roman"/>
+        <a:font script="Uigh" typeface="Microsoft Uighur"/>
+        <a:font script="Geor" typeface="Sylfaen"/>
+        <a:font script="Armn" typeface="Arial"/>
+        <a:font script="Bugi" typeface="Leelawadee UI"/>
+        <a:font script="Bopo" typeface="Microsoft JhengHei"/>
+        <a:font script="Java" typeface="Javanese Text"/>
+        <a:font script="Lisu" typeface="Segoe UI"/>
+        <a:font script="Mymr" typeface="Myanmar Text"/>
+        <a:font script="Nkoo" typeface="Ebrima"/>
+        <a:font script="Olck" typeface="Nirmala UI"/>
+        <a:font script="Osma" typeface="Ebrima"/>
+        <a:font script="Phag" typeface="Phagspa"/>
+        <a:font script="Syrn" typeface="Estrangelo Edessa"/>
+        <a:font script="Syrj" typeface="Estrangelo Edessa"/>
+        <a:font script="Syre" typeface="Estrangelo Edessa"/>
+        <a:font script="Sora" typeface="Nirmala UI"/>
+        <a:font script="Tale" typeface="Microsoft Tai Le"/>
+        <a:font script="Talu" typeface="Microsoft New Tai Lue"/>
+        <a:font script="Tfng" typeface="Ebrima"/>
+      </a:majorFont>
+      <a:minorFont>
+        <a:latin typeface="Calibri" panose="020F0502020204030204"/>
+        <a:ea typeface=""/>
+        <a:cs typeface=""/>
+        <a:font script="Jpan" typeface="游ゴシック"/>
+        <a:font script="Hang" typeface="맑은 고딕"/>
+        <a:font script="Hans" typeface="等线"/>
+        <a:font script="Hant" typeface="新細明體"/>
+        <a:font script="Arab" typeface="Arial"/>
+        <a:font script="Hebr" typeface="Arial"/>
+        <a:font script="Thai" typeface="Cordia New"/>
+        <a:font script="Ethi" typeface="Nyala"/>
+        <a:font script="Beng" typeface="Vrinda"/>
+        <a:font script="Gujr" typeface="Shruti"/>
+        <a:font script="Khmr" typeface="DaunPenh"/>
+        <a:font script="Knda" typeface="Tunga"/>
+        <a:font script="Guru" typeface="Raavi"/>
+        <a:font script="Cans" typeface="Euphemia"/>
+        <a:font script="Cher" typeface="Plantagenet Cherokee"/>
+        <a:font script="Yiii" typeface="Microsoft Yi Baiti"/>
+        <a:font script="Tibt" typeface="Microsoft Himalaya"/>
+        <a:font script="Thaa" typeface="MV Boli"/>
+        <a:font script="Deva" typeface="Mangal"/>
+        <a:font script="Telu" typeface="Gautami"/>
+        <a:font script="Taml" typeface="Latha"/>
+        <a:font script="Syrc" typeface="Estrangelo Edessa"/>
+        <a:font script="Orya" typeface="Kalinga"/>
+        <a:font script="Mlym" typeface="Kartika"/>
+        <a:font script="Laoo" typeface="DokChampa"/>
+        <a:font script="Sinh" typeface="Iskoola Pota"/>
+        <a:font script="Mong" typeface="Mongolian Baiti"/>
+        <a:font script="Viet" typeface="Arial"/>
+        <a:font script="Uigh" typeface="Microsoft Uighur"/>
+        <a:font script="Geor" typeface="Sylfaen"/>
+        <a:font script="Armn" typeface="Arial"/>
+        <a:font script="Bugi" typeface="Leelawadee UI"/>
+        <a:font script="Bopo" typeface="Microsoft JhengHei"/>
+        <a:font script="Java" typeface="Javanese Text"/>
+        <a:font script="Lisu" typeface="Segoe UI"/>
+        <a:font script="Mymr" typeface="Myanmar Text"/>
+        <a:font script="Nkoo" typeface="Ebrima"/>
+        <a:font script="Olck" typeface="Nirmala UI"/>
+        <a:font script="Osma" typeface="Ebrima"/>
+        <a:font script="Phag" typeface="Phagspa"/>
+        <a:font script="Syrn" typeface="Estrangelo Edessa"/>
+        <a:font script="Syrj" typeface="Estrangelo Edessa"/>
+        <a:font script="Syre" typeface="Estrangelo Edessa"/>
+        <a:font script="Sora" typeface="Nirmala UI"/>
+        <a:font script="Tale" typeface="Microsoft Tai Le"/>
+        <a:font script="Talu" typeface="Microsoft New Tai Lue"/>
+        <a:font script="Tfng" typeface="Ebrima"/>
+      </a:minorFont>
+    </a:fontScheme>
+    <a:fmtScheme name="Office">
+      <a:fillStyleLst>
+        <a:solidFill>
+          <a:schemeClr val="phClr"/>
+        </a:solidFill>
+        <a:gradFill rotWithShape="1">
+          <a:gsLst>
+            <a:gs pos="0">
+              <a:schemeClr val="phClr">
+                <a:lumMod val="110000"/>
+                <a:satMod val="105000"/>
+                <a:tint val="67000"/>
+              </a:schemeClr>
+            </a:gs>
+            <a:gs pos="50000">
+              <a:schemeClr val="phClr">
+                <a:lumMod val="105000"/>
+                <a:satMod val="103000"/>
+                <a:tint val="73000"/>
+              </a:schemeClr>
+            </a:gs>
+            <a:gs pos="100000">
+              <a:schemeClr val="phClr">
+                <a:lumMod val="105000"/>
+                <a:satMod val="109000"/>
+                <a:tint val="81000"/>
+              </a:schemeClr>
+            </a:gs>
+          </a:gsLst>
+          <a:lin ang="5400000" scaled="0"/>
+        </a:gradFill>
+        <a:gradFill rotWithShape="1">
+          <a:gsLst>
+            <a:gs pos="0">
+              <a:schemeClr val="phClr">
+                <a:satMod val="103000"/>
+                <a:lumMod val="102000"/>
+                <a:tint val="94000"/>
+              </a:schemeClr>
+            </a:gs>
+            <a:gs pos="50000">
+              <a:schemeClr val="phClr">
+                <a:satMod val="110000"/>
+                <a:lumMod val="100000"/>
+                <a:shade val="100000"/>
+              </a:schemeClr>
+            </a:gs>
+            <a:gs pos="100000">
+              <a:schemeClr val="phClr">
+                <a:lumMod val="99000"/>
+                <a:satMod val="120000"/>
+                <a:shade val="78000"/>
+              </a:schemeClr>
+            </a:gs>
+          </a:gsLst>
+          <a:lin ang="5400000" scaled="0"/>
+        </a:gradFill>
+      </a:fillStyleLst>
+      <a:lnStyleLst>
+        <a:ln w="6350" cap="flat" cmpd="sng" algn="ctr">
+          <a:solidFill>
+            <a:schemeClr val="phClr"/>
+          </a:solidFill>
+          <a:prstDash val="solid"/>
+          <a:miter lim="800000"/>
+        </a:ln>
+        <a:ln w="12700" cap="flat" cmpd="sng" algn="ctr">
+          <a:solidFill>
+            <a:schemeClr val="phClr"/>
+          </a:solidFill>
+          <a:prstDash val="solid"/>
+          <a:miter lim="800000"/>
+        </a:ln>
+        <a:ln w="19050" cap="flat" cmpd="sng" algn="ctr">
+          <a:solidFill>
+            <a:schemeClr val="phClr"/>
+          </a:solidFill>
+          <a:prstDash val="solid"/>
+          <a:miter lim="800000"/>
+        </a:ln>
+      </a:lnStyleLst>
+      <a:effectStyleLst>
+        <a:effectStyle>
+          <a:effectLst/>
+        </a:effectStyle>
+        <a:effectStyle>
+          <a:effectLst/>
+        </a:effectStyle>
+        <a:effectStyle>
+          <a:effectLst>
+            <a:outerShdw blurRad="57150" dist="19050" dir="5400000" algn="ctr" rotWithShape="0">
+              <a:srgbClr val="000000">
+                <a:alpha val="63000"/>
+              </a:srgbClr>
+            </a:outerShdw>
+          </a:effectLst>
+        </a:effectStyle>
+      </a:effectStyleLst>
+      <a:bgFillStyleLst>
+        <a:solidFill>
+          <a:schemeClr val="phClr"/>
+        </a:solidFill>
+        <a:solidFill>
+          <a:schemeClr val="phClr">
+            <a:tint val="95000"/>
+            <a:satMod val="170000"/>
+          </a:schemeClr>
+        </a:solidFill>
+        <a:gradFill rotWithShape="1">
+          <a:gsLst>
+            <a:gs pos="0">
+              <a:schemeClr val="phClr">
+                <a:tint val="93000"/>
+                <a:satMod val="150000"/>
+                <a:shade val="98000"/>
+                <a:lumMod val="102000"/>
+              </a:schemeClr>
+            </a:gs>
+            <a:gs pos="50000">
+              <a:schemeClr val="phClr">
+                <a:tint val="98000"/>
+                <a:satMod val="130000"/>
+                <a:shade val="90000"/>
+                <a:lumMod val="103000"/>
+              </a:schemeClr>
+            </a:gs>
+            <a:gs pos="100000">
+              <a:schemeClr val="phClr">
+                <a:shade val="63000"/>
+                <a:satMod val="120000"/>
+              </a:schemeClr>
+            </a:gs>
+          </a:gsLst>
+          <a:lin ang="5400000" scaled="0"/>
+        </a:gradFill>
+      </a:bgFillStyleLst>
+    </a:fmtScheme>
+  </a:themeElements>
+  <a:objectDefaults/>
+  <a:extraClrSchemeLst/>
+  <a:extLst>
+    <a:ext uri="{05A4C25C-085E-4340-85A3-A5531E510DB2}">
+      <thm15:themeFamily xmlns:thm15="http://schemas.microsoft.com/office/thememl/2012/main" name="Office Theme" id="{62F939B6-93AF-4DB8-9C6B-D6C7DFDC589F}" vid="{4A3C46E8-61CC-4603-A589-7422A47A8E4A}"/>
+    </a:ext>
+  </a:extLst>
+</a:theme>
 </file>